--- a/experiment/fig3/framework.pptx
+++ b/experiment/fig3/framework.pptx
@@ -259,7 +259,7 @@
           <a:p>
             <a:fld id="{E0532EFC-1C78-41CF-9024-C7866918C580}" type="datetimeFigureOut">
               <a:rPr lang="zh-CN" altLang="en-US" smtClean="0"/>
-              <a:t>2021/11/12</a:t>
+              <a:t>2021/11/13</a:t>
             </a:fld>
             <a:endParaRPr lang="zh-CN" altLang="en-US"/>
           </a:p>
@@ -457,7 +457,7 @@
           <a:p>
             <a:fld id="{E0532EFC-1C78-41CF-9024-C7866918C580}" type="datetimeFigureOut">
               <a:rPr lang="zh-CN" altLang="en-US" smtClean="0"/>
-              <a:t>2021/11/12</a:t>
+              <a:t>2021/11/13</a:t>
             </a:fld>
             <a:endParaRPr lang="zh-CN" altLang="en-US"/>
           </a:p>
@@ -665,7 +665,7 @@
           <a:p>
             <a:fld id="{E0532EFC-1C78-41CF-9024-C7866918C580}" type="datetimeFigureOut">
               <a:rPr lang="zh-CN" altLang="en-US" smtClean="0"/>
-              <a:t>2021/11/12</a:t>
+              <a:t>2021/11/13</a:t>
             </a:fld>
             <a:endParaRPr lang="zh-CN" altLang="en-US"/>
           </a:p>
@@ -863,7 +863,7 @@
           <a:p>
             <a:fld id="{E0532EFC-1C78-41CF-9024-C7866918C580}" type="datetimeFigureOut">
               <a:rPr lang="zh-CN" altLang="en-US" smtClean="0"/>
-              <a:t>2021/11/12</a:t>
+              <a:t>2021/11/13</a:t>
             </a:fld>
             <a:endParaRPr lang="zh-CN" altLang="en-US"/>
           </a:p>
@@ -1138,7 +1138,7 @@
           <a:p>
             <a:fld id="{E0532EFC-1C78-41CF-9024-C7866918C580}" type="datetimeFigureOut">
               <a:rPr lang="zh-CN" altLang="en-US" smtClean="0"/>
-              <a:t>2021/11/12</a:t>
+              <a:t>2021/11/13</a:t>
             </a:fld>
             <a:endParaRPr lang="zh-CN" altLang="en-US"/>
           </a:p>
@@ -1403,7 +1403,7 @@
           <a:p>
             <a:fld id="{E0532EFC-1C78-41CF-9024-C7866918C580}" type="datetimeFigureOut">
               <a:rPr lang="zh-CN" altLang="en-US" smtClean="0"/>
-              <a:t>2021/11/12</a:t>
+              <a:t>2021/11/13</a:t>
             </a:fld>
             <a:endParaRPr lang="zh-CN" altLang="en-US"/>
           </a:p>
@@ -1815,7 +1815,7 @@
           <a:p>
             <a:fld id="{E0532EFC-1C78-41CF-9024-C7866918C580}" type="datetimeFigureOut">
               <a:rPr lang="zh-CN" altLang="en-US" smtClean="0"/>
-              <a:t>2021/11/12</a:t>
+              <a:t>2021/11/13</a:t>
             </a:fld>
             <a:endParaRPr lang="zh-CN" altLang="en-US"/>
           </a:p>
@@ -1956,7 +1956,7 @@
           <a:p>
             <a:fld id="{E0532EFC-1C78-41CF-9024-C7866918C580}" type="datetimeFigureOut">
               <a:rPr lang="zh-CN" altLang="en-US" smtClean="0"/>
-              <a:t>2021/11/12</a:t>
+              <a:t>2021/11/13</a:t>
             </a:fld>
             <a:endParaRPr lang="zh-CN" altLang="en-US"/>
           </a:p>
@@ -2069,7 +2069,7 @@
           <a:p>
             <a:fld id="{E0532EFC-1C78-41CF-9024-C7866918C580}" type="datetimeFigureOut">
               <a:rPr lang="zh-CN" altLang="en-US" smtClean="0"/>
-              <a:t>2021/11/12</a:t>
+              <a:t>2021/11/13</a:t>
             </a:fld>
             <a:endParaRPr lang="zh-CN" altLang="en-US"/>
           </a:p>
@@ -2380,7 +2380,7 @@
           <a:p>
             <a:fld id="{E0532EFC-1C78-41CF-9024-C7866918C580}" type="datetimeFigureOut">
               <a:rPr lang="zh-CN" altLang="en-US" smtClean="0"/>
-              <a:t>2021/11/12</a:t>
+              <a:t>2021/11/13</a:t>
             </a:fld>
             <a:endParaRPr lang="zh-CN" altLang="en-US"/>
           </a:p>
@@ -2668,7 +2668,7 @@
           <a:p>
             <a:fld id="{E0532EFC-1C78-41CF-9024-C7866918C580}" type="datetimeFigureOut">
               <a:rPr lang="zh-CN" altLang="en-US" smtClean="0"/>
-              <a:t>2021/11/12</a:t>
+              <a:t>2021/11/13</a:t>
             </a:fld>
             <a:endParaRPr lang="zh-CN" altLang="en-US"/>
           </a:p>
@@ -2909,7 +2909,7 @@
           <a:p>
             <a:fld id="{E0532EFC-1C78-41CF-9024-C7866918C580}" type="datetimeFigureOut">
               <a:rPr lang="zh-CN" altLang="en-US" smtClean="0"/>
-              <a:t>2021/11/12</a:t>
+              <a:t>2021/11/13</a:t>
             </a:fld>
             <a:endParaRPr lang="zh-CN" altLang="en-US"/>
           </a:p>
@@ -3366,6 +3366,9 @@
             <a:prstGeom prst="rect">
               <a:avLst/>
             </a:prstGeom>
+            <a:ln>
+              <a:noFill/>
+            </a:ln>
           </p:spPr>
           <p:style>
             <a:lnRef idx="2">
@@ -3389,10 +3392,10 @@
             <a:p>
               <a:pPr algn="ctr"/>
               <a:r>
-                <a:rPr lang="en-US" altLang="zh-CN" dirty="0"/>
+                <a:rPr lang="en-US" altLang="zh-CN" b="1"/>
                 <a:t>Conv</a:t>
               </a:r>
-              <a:endParaRPr lang="zh-CN" altLang="en-US" dirty="0"/>
+              <a:endParaRPr lang="zh-CN" altLang="en-US" b="1" dirty="0"/>
             </a:p>
           </p:txBody>
         </p:sp>
@@ -3416,6 +3419,9 @@
             <a:prstGeom prst="rect">
               <a:avLst/>
             </a:prstGeom>
+            <a:ln>
+              <a:noFill/>
+            </a:ln>
           </p:spPr>
           <p:style>
             <a:lnRef idx="2">
@@ -3589,6 +3595,9 @@
             <a:prstGeom prst="rect">
               <a:avLst/>
             </a:prstGeom>
+            <a:ln>
+              <a:noFill/>
+            </a:ln>
           </p:spPr>
           <p:style>
             <a:lnRef idx="2">
@@ -3612,10 +3621,10 @@
             <a:p>
               <a:pPr algn="ctr"/>
               <a:r>
-                <a:rPr lang="en-US" altLang="zh-CN" dirty="0"/>
+                <a:rPr lang="en-US" altLang="zh-CN" b="1"/>
                 <a:t>Conv</a:t>
               </a:r>
-              <a:endParaRPr lang="zh-CN" altLang="en-US" dirty="0"/>
+              <a:endParaRPr lang="zh-CN" altLang="en-US" b="1" dirty="0"/>
             </a:p>
           </p:txBody>
         </p:sp>
@@ -3639,6 +3648,9 @@
             <a:prstGeom prst="rect">
               <a:avLst/>
             </a:prstGeom>
+            <a:ln>
+              <a:noFill/>
+            </a:ln>
           </p:spPr>
           <p:style>
             <a:lnRef idx="2">
@@ -3771,6 +3783,9 @@
             <a:prstGeom prst="rect">
               <a:avLst/>
             </a:prstGeom>
+            <a:ln>
+              <a:noFill/>
+            </a:ln>
           </p:spPr>
           <p:style>
             <a:lnRef idx="2">
@@ -3794,10 +3809,10 @@
             <a:p>
               <a:pPr algn="ctr"/>
               <a:r>
-                <a:rPr lang="en-US" altLang="zh-CN" dirty="0"/>
+                <a:rPr lang="en-US" altLang="zh-CN" b="1"/>
                 <a:t>Conv</a:t>
               </a:r>
-              <a:endParaRPr lang="zh-CN" altLang="en-US" dirty="0"/>
+              <a:endParaRPr lang="zh-CN" altLang="en-US" b="1" dirty="0"/>
             </a:p>
           </p:txBody>
         </p:sp>
@@ -3821,6 +3836,9 @@
             <a:prstGeom prst="rect">
               <a:avLst/>
             </a:prstGeom>
+            <a:ln>
+              <a:noFill/>
+            </a:ln>
           </p:spPr>
           <p:style>
             <a:lnRef idx="2">
@@ -3995,6 +4013,9 @@
             <a:prstGeom prst="rect">
               <a:avLst/>
             </a:prstGeom>
+            <a:ln>
+              <a:noFill/>
+            </a:ln>
           </p:spPr>
           <p:style>
             <a:lnRef idx="2">
@@ -4018,10 +4039,10 @@
             <a:p>
               <a:pPr algn="ctr"/>
               <a:r>
-                <a:rPr lang="en-US" altLang="zh-CN" dirty="0"/>
+                <a:rPr lang="en-US" altLang="zh-CN" b="1"/>
                 <a:t>Conv</a:t>
               </a:r>
-              <a:endParaRPr lang="zh-CN" altLang="en-US" dirty="0"/>
+              <a:endParaRPr lang="zh-CN" altLang="en-US" b="1" dirty="0"/>
             </a:p>
           </p:txBody>
         </p:sp>
@@ -4045,6 +4066,9 @@
             <a:prstGeom prst="rect">
               <a:avLst/>
             </a:prstGeom>
+            <a:ln>
+              <a:noFill/>
+            </a:ln>
           </p:spPr>
           <p:style>
             <a:lnRef idx="2">
@@ -4199,10 +4223,10 @@
             <a:p>
               <a:pPr algn="ctr"/>
               <a:r>
-                <a:rPr lang="en-US" altLang="zh-CN" dirty="0"/>
+                <a:rPr lang="en-US" altLang="zh-CN" b="1"/>
                 <a:t>1x1</a:t>
               </a:r>
-              <a:endParaRPr lang="zh-CN" altLang="en-US" dirty="0"/>
+              <a:endParaRPr lang="zh-CN" altLang="en-US" b="1" dirty="0"/>
             </a:p>
           </p:txBody>
         </p:sp>
@@ -4226,6 +4250,9 @@
             <a:prstGeom prst="rect">
               <a:avLst/>
             </a:prstGeom>
+            <a:ln>
+              <a:noFill/>
+            </a:ln>
           </p:spPr>
           <p:style>
             <a:lnRef idx="2">
@@ -4249,10 +4276,10 @@
             <a:p>
               <a:pPr algn="ctr"/>
               <a:r>
-                <a:rPr lang="en-US" altLang="zh-CN" dirty="0"/>
+                <a:rPr lang="en-US" altLang="zh-CN" b="1"/>
                 <a:t>1x1</a:t>
               </a:r>
-              <a:endParaRPr lang="zh-CN" altLang="en-US" dirty="0"/>
+              <a:endParaRPr lang="zh-CN" altLang="en-US" b="1" dirty="0"/>
             </a:p>
           </p:txBody>
         </p:sp>
@@ -4358,6 +4385,9 @@
               <a:prstGeom prst="rect">
                 <a:avLst/>
               </a:prstGeom>
+              <a:ln>
+                <a:noFill/>
+              </a:ln>
             </p:spPr>
             <p:style>
               <a:lnRef idx="2">
@@ -4381,10 +4411,10 @@
               <a:p>
                 <a:pPr algn="ctr"/>
                 <a:r>
-                  <a:rPr lang="en-US" altLang="zh-CN" dirty="0"/>
+                  <a:rPr lang="en-US" altLang="zh-CN" b="1"/>
                   <a:t>Conv</a:t>
                 </a:r>
-                <a:endParaRPr lang="zh-CN" altLang="en-US" dirty="0"/>
+                <a:endParaRPr lang="zh-CN" altLang="en-US" b="1" dirty="0"/>
               </a:p>
             </p:txBody>
           </p:sp>
@@ -4408,6 +4438,9 @@
               <a:prstGeom prst="rect">
                 <a:avLst/>
               </a:prstGeom>
+              <a:ln>
+                <a:noFill/>
+              </a:ln>
             </p:spPr>
             <p:style>
               <a:lnRef idx="2">
@@ -4578,6 +4611,9 @@
               <a:prstGeom prst="rect">
                 <a:avLst/>
               </a:prstGeom>
+              <a:ln>
+                <a:noFill/>
+              </a:ln>
             </p:spPr>
             <p:style>
               <a:lnRef idx="2">
@@ -4601,10 +4637,10 @@
               <a:p>
                 <a:pPr algn="ctr"/>
                 <a:r>
-                  <a:rPr lang="en-US" altLang="zh-CN" dirty="0"/>
+                  <a:rPr lang="en-US" altLang="zh-CN" b="1"/>
                   <a:t>Conv</a:t>
                 </a:r>
-                <a:endParaRPr lang="zh-CN" altLang="en-US" dirty="0"/>
+                <a:endParaRPr lang="zh-CN" altLang="en-US" b="1" dirty="0"/>
               </a:p>
             </p:txBody>
           </p:sp>
@@ -4628,6 +4664,9 @@
               <a:prstGeom prst="rect">
                 <a:avLst/>
               </a:prstGeom>
+              <a:ln>
+                <a:noFill/>
+              </a:ln>
             </p:spPr>
             <p:style>
               <a:lnRef idx="2">
@@ -4946,6 +4985,9 @@
               <a:prstGeom prst="rect">
                 <a:avLst/>
               </a:prstGeom>
+              <a:ln>
+                <a:noFill/>
+              </a:ln>
             </p:spPr>
             <p:style>
               <a:lnRef idx="2">
@@ -4969,10 +5011,10 @@
               <a:p>
                 <a:pPr algn="ctr"/>
                 <a:r>
-                  <a:rPr lang="en-US" altLang="zh-CN" dirty="0"/>
+                  <a:rPr lang="en-US" altLang="zh-CN" b="1"/>
                   <a:t>Conv</a:t>
                 </a:r>
-                <a:endParaRPr lang="zh-CN" altLang="en-US" dirty="0"/>
+                <a:endParaRPr lang="zh-CN" altLang="en-US" b="1" dirty="0"/>
               </a:p>
             </p:txBody>
           </p:sp>
@@ -4996,6 +5038,9 @@
               <a:prstGeom prst="rect">
                 <a:avLst/>
               </a:prstGeom>
+              <a:ln>
+                <a:noFill/>
+              </a:ln>
             </p:spPr>
             <p:style>
               <a:lnRef idx="2">
@@ -5166,6 +5211,9 @@
               <a:prstGeom prst="rect">
                 <a:avLst/>
               </a:prstGeom>
+              <a:ln>
+                <a:noFill/>
+              </a:ln>
             </p:spPr>
             <p:style>
               <a:lnRef idx="2">
@@ -5189,10 +5237,10 @@
               <a:p>
                 <a:pPr algn="ctr"/>
                 <a:r>
-                  <a:rPr lang="en-US" altLang="zh-CN" dirty="0"/>
+                  <a:rPr lang="en-US" altLang="zh-CN" b="1"/>
                   <a:t>Conv</a:t>
                 </a:r>
-                <a:endParaRPr lang="zh-CN" altLang="en-US" dirty="0"/>
+                <a:endParaRPr lang="zh-CN" altLang="en-US" b="1" dirty="0"/>
               </a:p>
             </p:txBody>
           </p:sp>
@@ -5216,6 +5264,9 @@
               <a:prstGeom prst="rect">
                 <a:avLst/>
               </a:prstGeom>
+              <a:ln>
+                <a:noFill/>
+              </a:ln>
             </p:spPr>
             <p:style>
               <a:lnRef idx="2">
@@ -5556,6 +5607,9 @@
           <a:prstGeom prst="rect">
             <a:avLst/>
           </a:prstGeom>
+          <a:ln>
+            <a:noFill/>
+          </a:ln>
         </p:spPr>
         <p:style>
           <a:lnRef idx="2">
@@ -5579,10 +5633,10 @@
           <a:p>
             <a:pPr algn="ctr"/>
             <a:r>
-              <a:rPr lang="en-US" altLang="zh-CN" dirty="0"/>
+              <a:rPr lang="en-US" altLang="zh-CN" b="1" dirty="0"/>
               <a:t>Conv</a:t>
             </a:r>
-            <a:endParaRPr lang="zh-CN" altLang="en-US" dirty="0"/>
+            <a:endParaRPr lang="zh-CN" altLang="en-US" b="1" dirty="0"/>
           </a:p>
         </p:txBody>
       </p:sp>
@@ -5606,6 +5660,9 @@
           <a:prstGeom prst="rect">
             <a:avLst/>
           </a:prstGeom>
+          <a:ln>
+            <a:noFill/>
+          </a:ln>
         </p:spPr>
         <p:style>
           <a:lnRef idx="2">
@@ -5776,6 +5833,9 @@
           <a:prstGeom prst="rect">
             <a:avLst/>
           </a:prstGeom>
+          <a:ln>
+            <a:noFill/>
+          </a:ln>
         </p:spPr>
         <p:style>
           <a:lnRef idx="2">
@@ -5799,10 +5859,10 @@
           <a:p>
             <a:pPr algn="ctr"/>
             <a:r>
-              <a:rPr lang="en-US" altLang="zh-CN" dirty="0"/>
+              <a:rPr lang="en-US" altLang="zh-CN" b="1" dirty="0"/>
               <a:t>Conv</a:t>
             </a:r>
-            <a:endParaRPr lang="zh-CN" altLang="en-US" dirty="0"/>
+            <a:endParaRPr lang="zh-CN" altLang="en-US" b="1" dirty="0"/>
           </a:p>
         </p:txBody>
       </p:sp>
@@ -5826,6 +5886,9 @@
           <a:prstGeom prst="rect">
             <a:avLst/>
           </a:prstGeom>
+          <a:ln>
+            <a:noFill/>
+          </a:ln>
         </p:spPr>
         <p:style>
           <a:lnRef idx="2">
@@ -5986,13 +6049,12 @@
           </p:cNvPr>
           <p:cNvCxnSpPr>
             <a:cxnSpLocks/>
-            <a:endCxn id="81" idx="0"/>
           </p:cNvCxnSpPr>
           <p:nvPr/>
         </p:nvCxnSpPr>
         <p:spPr>
           <a:xfrm>
-            <a:off x="5946073" y="2140997"/>
+            <a:off x="5946073" y="2149487"/>
             <a:ext cx="0" cy="301841"/>
           </a:xfrm>
           <a:prstGeom prst="straightConnector1">
@@ -6037,6 +6099,9 @@
           <a:prstGeom prst="rect">
             <a:avLst/>
           </a:prstGeom>
+          <a:ln>
+            <a:noFill/>
+          </a:ln>
         </p:spPr>
         <p:style>
           <a:lnRef idx="2">
@@ -6060,10 +6125,10 @@
           <a:p>
             <a:pPr algn="ctr"/>
             <a:r>
-              <a:rPr lang="en-US" altLang="zh-CN" dirty="0"/>
+              <a:rPr lang="en-US" altLang="zh-CN" b="1" dirty="0"/>
               <a:t>Conv</a:t>
             </a:r>
-            <a:endParaRPr lang="zh-CN" altLang="en-US" dirty="0"/>
+            <a:endParaRPr lang="zh-CN" altLang="en-US" b="1" dirty="0"/>
           </a:p>
         </p:txBody>
       </p:sp>
@@ -6087,6 +6152,9 @@
           <a:prstGeom prst="rect">
             <a:avLst/>
           </a:prstGeom>
+          <a:ln>
+            <a:noFill/>
+          </a:ln>
         </p:spPr>
         <p:style>
           <a:lnRef idx="2">
@@ -6259,6 +6327,9 @@
           <a:prstGeom prst="rect">
             <a:avLst/>
           </a:prstGeom>
+          <a:ln>
+            <a:noFill/>
+          </a:ln>
         </p:spPr>
         <p:style>
           <a:lnRef idx="2">
@@ -6282,10 +6353,10 @@
           <a:p>
             <a:pPr algn="ctr"/>
             <a:r>
-              <a:rPr lang="en-US" altLang="zh-CN" dirty="0"/>
+              <a:rPr lang="en-US" altLang="zh-CN" b="1" dirty="0"/>
               <a:t>Conv</a:t>
             </a:r>
-            <a:endParaRPr lang="zh-CN" altLang="en-US" dirty="0"/>
+            <a:endParaRPr lang="zh-CN" altLang="en-US" b="1" dirty="0"/>
           </a:p>
         </p:txBody>
       </p:sp>
@@ -6309,6 +6380,9 @@
           <a:prstGeom prst="rect">
             <a:avLst/>
           </a:prstGeom>
+          <a:ln>
+            <a:noFill/>
+          </a:ln>
         </p:spPr>
         <p:style>
           <a:lnRef idx="2">
@@ -6481,6 +6555,9 @@
           <a:prstGeom prst="rect">
             <a:avLst/>
           </a:prstGeom>
+          <a:ln>
+            <a:noFill/>
+          </a:ln>
         </p:spPr>
         <p:style>
           <a:lnRef idx="2">
@@ -6504,10 +6581,10 @@
           <a:p>
             <a:pPr algn="ctr"/>
             <a:r>
-              <a:rPr lang="en-US" altLang="zh-CN" dirty="0"/>
+              <a:rPr lang="en-US" altLang="zh-CN" b="1" dirty="0"/>
               <a:t>Id</a:t>
             </a:r>
-            <a:endParaRPr lang="zh-CN" altLang="en-US" dirty="0"/>
+            <a:endParaRPr lang="zh-CN" altLang="en-US" b="1" dirty="0"/>
           </a:p>
         </p:txBody>
       </p:sp>
@@ -6531,6 +6608,9 @@
           <a:prstGeom prst="rect">
             <a:avLst/>
           </a:prstGeom>
+          <a:ln>
+            <a:noFill/>
+          </a:ln>
         </p:spPr>
         <p:style>
           <a:lnRef idx="2">
@@ -6662,6 +6742,9 @@
           <a:prstGeom prst="rect">
             <a:avLst/>
           </a:prstGeom>
+          <a:ln>
+            <a:noFill/>
+          </a:ln>
         </p:spPr>
         <p:style>
           <a:lnRef idx="2">
@@ -6685,10 +6768,10 @@
           <a:p>
             <a:pPr algn="ctr"/>
             <a:r>
-              <a:rPr lang="en-US" altLang="zh-CN" dirty="0"/>
+              <a:rPr lang="en-US" altLang="zh-CN" b="1" dirty="0"/>
               <a:t>Id</a:t>
             </a:r>
-            <a:endParaRPr lang="zh-CN" altLang="en-US" dirty="0"/>
+            <a:endParaRPr lang="zh-CN" altLang="en-US" b="1" dirty="0"/>
           </a:p>
         </p:txBody>
       </p:sp>
@@ -6712,6 +6795,9 @@
           <a:prstGeom prst="rect">
             <a:avLst/>
           </a:prstGeom>
+          <a:ln>
+            <a:noFill/>
+          </a:ln>
         </p:spPr>
         <p:style>
           <a:lnRef idx="2">
@@ -6873,6 +6959,9 @@
           <a:prstGeom prst="rect">
             <a:avLst/>
           </a:prstGeom>
+          <a:ln>
+            <a:noFill/>
+          </a:ln>
         </p:spPr>
         <p:style>
           <a:lnRef idx="2">
@@ -6896,10 +6985,10 @@
           <a:p>
             <a:pPr algn="ctr"/>
             <a:r>
-              <a:rPr lang="en-US" altLang="zh-CN" dirty="0"/>
+              <a:rPr lang="en-US" altLang="zh-CN" b="1" dirty="0"/>
               <a:t>1x1</a:t>
             </a:r>
-            <a:endParaRPr lang="zh-CN" altLang="en-US" dirty="0"/>
+            <a:endParaRPr lang="zh-CN" altLang="en-US" b="1" dirty="0"/>
           </a:p>
         </p:txBody>
       </p:sp>
@@ -7008,6 +7097,9 @@
           <a:prstGeom prst="rect">
             <a:avLst/>
           </a:prstGeom>
+          <a:ln>
+            <a:noFill/>
+          </a:ln>
         </p:spPr>
         <p:style>
           <a:lnRef idx="2">
@@ -7031,10 +7123,10 @@
           <a:p>
             <a:pPr algn="ctr"/>
             <a:r>
-              <a:rPr lang="en-US" altLang="zh-CN" dirty="0"/>
+              <a:rPr lang="en-US" altLang="zh-CN" b="1" dirty="0"/>
               <a:t>Id</a:t>
             </a:r>
-            <a:endParaRPr lang="zh-CN" altLang="en-US" dirty="0"/>
+            <a:endParaRPr lang="zh-CN" altLang="en-US" b="1" dirty="0"/>
           </a:p>
         </p:txBody>
       </p:sp>
@@ -7058,6 +7150,9 @@
           <a:prstGeom prst="rect">
             <a:avLst/>
           </a:prstGeom>
+          <a:ln>
+            <a:noFill/>
+          </a:ln>
         </p:spPr>
         <p:style>
           <a:lnRef idx="2">
@@ -7189,6 +7284,9 @@
           <a:prstGeom prst="rect">
             <a:avLst/>
           </a:prstGeom>
+          <a:ln>
+            <a:noFill/>
+          </a:ln>
         </p:spPr>
         <p:style>
           <a:lnRef idx="2">
@@ -7212,10 +7310,10 @@
           <a:p>
             <a:pPr algn="ctr"/>
             <a:r>
-              <a:rPr lang="en-US" altLang="zh-CN" dirty="0"/>
+              <a:rPr lang="en-US" altLang="zh-CN" b="1" dirty="0"/>
               <a:t>Id</a:t>
             </a:r>
-            <a:endParaRPr lang="zh-CN" altLang="en-US" dirty="0"/>
+            <a:endParaRPr lang="zh-CN" altLang="en-US" b="1" dirty="0"/>
           </a:p>
         </p:txBody>
       </p:sp>
@@ -7239,6 +7337,9 @@
           <a:prstGeom prst="rect">
             <a:avLst/>
           </a:prstGeom>
+          <a:ln>
+            <a:noFill/>
+          </a:ln>
         </p:spPr>
         <p:style>
           <a:lnRef idx="2">
@@ -7373,7 +7474,7 @@
           <a:lstStyle/>
           <a:p>
             <a:r>
-              <a:rPr lang="en-US" altLang="zh-CN" sz="1400" b="1" dirty="0"/>
+              <a:rPr lang="en-US" altLang="zh-CN" sz="1400" b="1"/>
               <a:t>-C</a:t>
             </a:r>
             <a:endParaRPr lang="zh-CN" altLang="en-US" sz="1400" b="1" dirty="0"/>
@@ -7438,6 +7539,9 @@
           <a:prstGeom prst="rect">
             <a:avLst/>
           </a:prstGeom>
+          <a:ln>
+            <a:noFill/>
+          </a:ln>
         </p:spPr>
         <p:style>
           <a:lnRef idx="2">
@@ -7461,10 +7565,10 @@
           <a:p>
             <a:pPr algn="ctr"/>
             <a:r>
-              <a:rPr lang="en-US" altLang="zh-CN" dirty="0"/>
+              <a:rPr lang="en-US" altLang="zh-CN" b="1" dirty="0"/>
               <a:t>1x1</a:t>
             </a:r>
-            <a:endParaRPr lang="zh-CN" altLang="en-US" dirty="0"/>
+            <a:endParaRPr lang="zh-CN" altLang="en-US" b="1" dirty="0"/>
           </a:p>
         </p:txBody>
       </p:sp>
@@ -7733,6 +7837,9 @@
             <a:prstGeom prst="rect">
               <a:avLst/>
             </a:prstGeom>
+            <a:ln>
+              <a:noFill/>
+            </a:ln>
           </p:spPr>
           <p:style>
             <a:lnRef idx="2">
@@ -7756,10 +7863,10 @@
             <a:p>
               <a:pPr algn="ctr"/>
               <a:r>
-                <a:rPr lang="en-US" altLang="zh-CN" dirty="0"/>
+                <a:rPr lang="en-US" altLang="zh-CN" b="1" dirty="0"/>
                 <a:t>Conv</a:t>
               </a:r>
-              <a:endParaRPr lang="zh-CN" altLang="en-US" dirty="0"/>
+              <a:endParaRPr lang="zh-CN" altLang="en-US" b="1" dirty="0"/>
             </a:p>
           </p:txBody>
         </p:sp>
@@ -7783,6 +7890,9 @@
             <a:prstGeom prst="rect">
               <a:avLst/>
             </a:prstGeom>
+            <a:ln>
+              <a:noFill/>
+            </a:ln>
           </p:spPr>
           <p:style>
             <a:lnRef idx="2">
@@ -7956,6 +8066,9 @@
             <a:prstGeom prst="rect">
               <a:avLst/>
             </a:prstGeom>
+            <a:ln>
+              <a:noFill/>
+            </a:ln>
           </p:spPr>
           <p:style>
             <a:lnRef idx="2">
@@ -7979,10 +8092,10 @@
             <a:p>
               <a:pPr algn="ctr"/>
               <a:r>
-                <a:rPr lang="en-US" altLang="zh-CN" dirty="0"/>
+                <a:rPr lang="en-US" altLang="zh-CN" b="1" dirty="0"/>
                 <a:t>Conv</a:t>
               </a:r>
-              <a:endParaRPr lang="zh-CN" altLang="en-US" dirty="0"/>
+              <a:endParaRPr lang="zh-CN" altLang="en-US" b="1" dirty="0"/>
             </a:p>
           </p:txBody>
         </p:sp>
@@ -8006,6 +8119,9 @@
             <a:prstGeom prst="rect">
               <a:avLst/>
             </a:prstGeom>
+            <a:ln>
+              <a:noFill/>
+            </a:ln>
           </p:spPr>
           <p:style>
             <a:lnRef idx="2">
@@ -8137,6 +8253,9 @@
             <a:prstGeom prst="rect">
               <a:avLst/>
             </a:prstGeom>
+            <a:ln>
+              <a:noFill/>
+            </a:ln>
           </p:spPr>
           <p:style>
             <a:lnRef idx="2">
@@ -8160,10 +8279,10 @@
             <a:p>
               <a:pPr algn="ctr"/>
               <a:r>
-                <a:rPr lang="en-US" altLang="zh-CN" dirty="0"/>
+                <a:rPr lang="en-US" altLang="zh-CN" b="1" dirty="0"/>
                 <a:t>Conv</a:t>
               </a:r>
-              <a:endParaRPr lang="zh-CN" altLang="en-US" dirty="0"/>
+              <a:endParaRPr lang="zh-CN" altLang="en-US" b="1" dirty="0"/>
             </a:p>
           </p:txBody>
         </p:sp>
@@ -8187,6 +8306,9 @@
             <a:prstGeom prst="rect">
               <a:avLst/>
             </a:prstGeom>
+            <a:ln>
+              <a:noFill/>
+            </a:ln>
           </p:spPr>
           <p:style>
             <a:lnRef idx="2">
@@ -8209,7 +8331,7 @@
             <a:lstStyle/>
             <a:p>
               <a:pPr algn="ctr"/>
-              <a:endParaRPr lang="zh-CN" altLang="en-US"/>
+              <a:endParaRPr lang="zh-CN" altLang="en-US" dirty="0"/>
             </a:p>
           </p:txBody>
         </p:sp>
@@ -8318,6 +8440,9 @@
             <a:prstGeom prst="rect">
               <a:avLst/>
             </a:prstGeom>
+            <a:ln>
+              <a:noFill/>
+            </a:ln>
           </p:spPr>
           <p:style>
             <a:lnRef idx="2">
@@ -8341,10 +8466,10 @@
             <a:p>
               <a:pPr algn="ctr"/>
               <a:r>
-                <a:rPr lang="en-US" altLang="zh-CN" dirty="0"/>
+                <a:rPr lang="en-US" altLang="zh-CN" b="1" dirty="0"/>
                 <a:t>Conv</a:t>
               </a:r>
-              <a:endParaRPr lang="zh-CN" altLang="en-US" dirty="0"/>
+              <a:endParaRPr lang="zh-CN" altLang="en-US" b="1" dirty="0"/>
             </a:p>
           </p:txBody>
         </p:sp>
@@ -8368,6 +8493,9 @@
             <a:prstGeom prst="rect">
               <a:avLst/>
             </a:prstGeom>
+            <a:ln>
+              <a:noFill/>
+            </a:ln>
           </p:spPr>
           <p:style>
             <a:lnRef idx="2">
@@ -8522,10 +8650,10 @@
             <a:p>
               <a:pPr algn="ctr"/>
               <a:r>
-                <a:rPr lang="en-US" altLang="zh-CN" dirty="0"/>
+                <a:rPr lang="en-US" altLang="zh-CN" b="1" dirty="0"/>
                 <a:t>1x1</a:t>
               </a:r>
-              <a:endParaRPr lang="zh-CN" altLang="en-US" dirty="0"/>
+              <a:endParaRPr lang="zh-CN" altLang="en-US" b="1" dirty="0"/>
             </a:p>
           </p:txBody>
         </p:sp>
@@ -9005,6 +9133,9 @@
             <a:prstGeom prst="rect">
               <a:avLst/>
             </a:prstGeom>
+            <a:ln>
+              <a:noFill/>
+            </a:ln>
           </p:spPr>
           <p:style>
             <a:lnRef idx="2">
@@ -9179,6 +9310,9 @@
             <a:prstGeom prst="rect">
               <a:avLst/>
             </a:prstGeom>
+            <a:ln>
+              <a:noFill/>
+            </a:ln>
           </p:spPr>
           <p:style>
             <a:lnRef idx="2">
@@ -9202,7 +9336,7 @@
             <a:p>
               <a:pPr algn="ctr"/>
               <a:r>
-                <a:rPr lang="en-US" altLang="zh-CN" sz="800" dirty="0"/>
+                <a:rPr lang="en-US" altLang="zh-CN" sz="800"/>
                 <a:t>Conv</a:t>
               </a:r>
               <a:endParaRPr lang="zh-CN" altLang="en-US" sz="800" dirty="0"/>

--- a/experiment/fig3/framework.pptx
+++ b/experiment/fig3/framework.pptx
@@ -259,7 +259,7 @@
           <a:p>
             <a:fld id="{E0532EFC-1C78-41CF-9024-C7866918C580}" type="datetimeFigureOut">
               <a:rPr lang="zh-CN" altLang="en-US" smtClean="0"/>
-              <a:t>2021/11/13</a:t>
+              <a:t>2021/11/15</a:t>
             </a:fld>
             <a:endParaRPr lang="zh-CN" altLang="en-US"/>
           </a:p>
@@ -457,7 +457,7 @@
           <a:p>
             <a:fld id="{E0532EFC-1C78-41CF-9024-C7866918C580}" type="datetimeFigureOut">
               <a:rPr lang="zh-CN" altLang="en-US" smtClean="0"/>
-              <a:t>2021/11/13</a:t>
+              <a:t>2021/11/15</a:t>
             </a:fld>
             <a:endParaRPr lang="zh-CN" altLang="en-US"/>
           </a:p>
@@ -665,7 +665,7 @@
           <a:p>
             <a:fld id="{E0532EFC-1C78-41CF-9024-C7866918C580}" type="datetimeFigureOut">
               <a:rPr lang="zh-CN" altLang="en-US" smtClean="0"/>
-              <a:t>2021/11/13</a:t>
+              <a:t>2021/11/15</a:t>
             </a:fld>
             <a:endParaRPr lang="zh-CN" altLang="en-US"/>
           </a:p>
@@ -863,7 +863,7 @@
           <a:p>
             <a:fld id="{E0532EFC-1C78-41CF-9024-C7866918C580}" type="datetimeFigureOut">
               <a:rPr lang="zh-CN" altLang="en-US" smtClean="0"/>
-              <a:t>2021/11/13</a:t>
+              <a:t>2021/11/15</a:t>
             </a:fld>
             <a:endParaRPr lang="zh-CN" altLang="en-US"/>
           </a:p>
@@ -1138,7 +1138,7 @@
           <a:p>
             <a:fld id="{E0532EFC-1C78-41CF-9024-C7866918C580}" type="datetimeFigureOut">
               <a:rPr lang="zh-CN" altLang="en-US" smtClean="0"/>
-              <a:t>2021/11/13</a:t>
+              <a:t>2021/11/15</a:t>
             </a:fld>
             <a:endParaRPr lang="zh-CN" altLang="en-US"/>
           </a:p>
@@ -1403,7 +1403,7 @@
           <a:p>
             <a:fld id="{E0532EFC-1C78-41CF-9024-C7866918C580}" type="datetimeFigureOut">
               <a:rPr lang="zh-CN" altLang="en-US" smtClean="0"/>
-              <a:t>2021/11/13</a:t>
+              <a:t>2021/11/15</a:t>
             </a:fld>
             <a:endParaRPr lang="zh-CN" altLang="en-US"/>
           </a:p>
@@ -1815,7 +1815,7 @@
           <a:p>
             <a:fld id="{E0532EFC-1C78-41CF-9024-C7866918C580}" type="datetimeFigureOut">
               <a:rPr lang="zh-CN" altLang="en-US" smtClean="0"/>
-              <a:t>2021/11/13</a:t>
+              <a:t>2021/11/15</a:t>
             </a:fld>
             <a:endParaRPr lang="zh-CN" altLang="en-US"/>
           </a:p>
@@ -1956,7 +1956,7 @@
           <a:p>
             <a:fld id="{E0532EFC-1C78-41CF-9024-C7866918C580}" type="datetimeFigureOut">
               <a:rPr lang="zh-CN" altLang="en-US" smtClean="0"/>
-              <a:t>2021/11/13</a:t>
+              <a:t>2021/11/15</a:t>
             </a:fld>
             <a:endParaRPr lang="zh-CN" altLang="en-US"/>
           </a:p>
@@ -2069,7 +2069,7 @@
           <a:p>
             <a:fld id="{E0532EFC-1C78-41CF-9024-C7866918C580}" type="datetimeFigureOut">
               <a:rPr lang="zh-CN" altLang="en-US" smtClean="0"/>
-              <a:t>2021/11/13</a:t>
+              <a:t>2021/11/15</a:t>
             </a:fld>
             <a:endParaRPr lang="zh-CN" altLang="en-US"/>
           </a:p>
@@ -2380,7 +2380,7 @@
           <a:p>
             <a:fld id="{E0532EFC-1C78-41CF-9024-C7866918C580}" type="datetimeFigureOut">
               <a:rPr lang="zh-CN" altLang="en-US" smtClean="0"/>
-              <a:t>2021/11/13</a:t>
+              <a:t>2021/11/15</a:t>
             </a:fld>
             <a:endParaRPr lang="zh-CN" altLang="en-US"/>
           </a:p>
@@ -2668,7 +2668,7 @@
           <a:p>
             <a:fld id="{E0532EFC-1C78-41CF-9024-C7866918C580}" type="datetimeFigureOut">
               <a:rPr lang="zh-CN" altLang="en-US" smtClean="0"/>
-              <a:t>2021/11/13</a:t>
+              <a:t>2021/11/15</a:t>
             </a:fld>
             <a:endParaRPr lang="zh-CN" altLang="en-US"/>
           </a:p>
@@ -2909,7 +2909,7 @@
           <a:p>
             <a:fld id="{E0532EFC-1C78-41CF-9024-C7866918C580}" type="datetimeFigureOut">
               <a:rPr lang="zh-CN" altLang="en-US" smtClean="0"/>
-              <a:t>2021/11/13</a:t>
+              <a:t>2021/11/15</a:t>
             </a:fld>
             <a:endParaRPr lang="zh-CN" altLang="en-US"/>
           </a:p>
@@ -3326,6 +3326,78 @@
           <a:chExt cx="0" cy="0"/>
         </a:xfrm>
       </p:grpSpPr>
+      <p:sp>
+        <p:nvSpPr>
+          <p:cNvPr id="79" name="文本框 78">
+            <a:extLst>
+              <a:ext uri="{FF2B5EF4-FFF2-40B4-BE49-F238E27FC236}">
+                <a16:creationId xmlns:a16="http://schemas.microsoft.com/office/drawing/2014/main" id="{1446FD84-BE6E-4E7B-9832-B04E562FDD97}"/>
+              </a:ext>
+            </a:extLst>
+          </p:cNvPr>
+          <p:cNvSpPr txBox="1"/>
+          <p:nvPr/>
+        </p:nvSpPr>
+        <p:spPr>
+          <a:xfrm>
+            <a:off x="2745157" y="1835439"/>
+            <a:ext cx="563992" cy="307777"/>
+          </a:xfrm>
+          <a:prstGeom prst="rect">
+            <a:avLst/>
+          </a:prstGeom>
+          <a:noFill/>
+        </p:spPr>
+        <p:txBody>
+          <a:bodyPr wrap="square" rtlCol="0">
+            <a:spAutoFit/>
+          </a:bodyPr>
+          <a:lstStyle/>
+          <a:p>
+            <a:r>
+              <a:rPr lang="en-US" altLang="zh-CN" sz="1400" b="1" dirty="0"/>
+              <a:t>+C</a:t>
+            </a:r>
+            <a:endParaRPr lang="zh-CN" altLang="en-US" sz="1400" b="1" dirty="0"/>
+          </a:p>
+        </p:txBody>
+      </p:sp>
+      <p:sp>
+        <p:nvSpPr>
+          <p:cNvPr id="121" name="文本框 120">
+            <a:extLst>
+              <a:ext uri="{FF2B5EF4-FFF2-40B4-BE49-F238E27FC236}">
+                <a16:creationId xmlns:a16="http://schemas.microsoft.com/office/drawing/2014/main" id="{3FBC6EC9-E13D-4FA6-8767-4C686545DCB4}"/>
+              </a:ext>
+            </a:extLst>
+          </p:cNvPr>
+          <p:cNvSpPr txBox="1"/>
+          <p:nvPr/>
+        </p:nvSpPr>
+        <p:spPr>
+          <a:xfrm>
+            <a:off x="6081203" y="1872089"/>
+            <a:ext cx="563992" cy="307777"/>
+          </a:xfrm>
+          <a:prstGeom prst="rect">
+            <a:avLst/>
+          </a:prstGeom>
+          <a:noFill/>
+        </p:spPr>
+        <p:txBody>
+          <a:bodyPr wrap="square" rtlCol="0">
+            <a:spAutoFit/>
+          </a:bodyPr>
+          <a:lstStyle/>
+          <a:p>
+            <a:r>
+              <a:rPr lang="en-US" altLang="zh-CN" sz="1400" b="1" dirty="0"/>
+              <a:t>+C</a:t>
+            </a:r>
+            <a:endParaRPr lang="zh-CN" altLang="en-US" sz="1400" b="1" dirty="0"/>
+          </a:p>
+        </p:txBody>
+      </p:sp>
       <p:grpSp>
         <p:nvGrpSpPr>
           <p:cNvPr id="96" name="组合 95">
@@ -3340,10 +3412,10 @@
         </p:nvGrpSpPr>
         <p:grpSpPr>
           <a:xfrm>
-            <a:off x="2734323" y="3127217"/>
-            <a:ext cx="7102132" cy="691883"/>
-            <a:chOff x="2734323" y="3127217"/>
-            <a:chExt cx="7102132" cy="691883"/>
+            <a:off x="2734323" y="3139657"/>
+            <a:ext cx="7102125" cy="669574"/>
+            <a:chOff x="2734323" y="3139657"/>
+            <a:chExt cx="7102125" cy="669574"/>
           </a:xfrm>
         </p:grpSpPr>
         <p:sp>
@@ -3366,21 +3438,17 @@
             <a:prstGeom prst="rect">
               <a:avLst/>
             </a:prstGeom>
-            <a:ln>
-              <a:noFill/>
-            </a:ln>
+            <a:ln/>
           </p:spPr>
           <p:style>
-            <a:lnRef idx="2">
-              <a:schemeClr val="accent1">
-                <a:shade val="50000"/>
-              </a:schemeClr>
+            <a:lnRef idx="3">
+              <a:schemeClr val="lt1"/>
             </a:lnRef>
             <a:fillRef idx="1">
-              <a:schemeClr val="accent1"/>
+              <a:schemeClr val="accent5"/>
             </a:fillRef>
-            <a:effectRef idx="0">
-              <a:schemeClr val="accent1"/>
+            <a:effectRef idx="1">
+              <a:schemeClr val="accent5"/>
             </a:effectRef>
             <a:fontRef idx="minor">
               <a:schemeClr val="lt1"/>
@@ -3413,7 +3481,7 @@
           </p:nvSpPr>
           <p:spPr>
             <a:xfrm>
-              <a:off x="4065971" y="3127217"/>
+              <a:off x="4065971" y="3139657"/>
               <a:ext cx="168677" cy="667584"/>
             </a:xfrm>
             <a:prstGeom prst="rect">
@@ -3465,9 +3533,9 @@
             <p:nvPr/>
           </p:nvCxnSpPr>
           <p:spPr>
-            <a:xfrm flipV="1">
-              <a:off x="3906176" y="3461009"/>
-              <a:ext cx="159795" cy="10325"/>
+            <a:xfrm>
+              <a:off x="3906176" y="3471334"/>
+              <a:ext cx="159795" cy="2115"/>
             </a:xfrm>
             <a:prstGeom prst="straightConnector1">
               <a:avLst/>
@@ -3545,13 +3613,14 @@
             <p:cNvCxnSpPr>
               <a:cxnSpLocks/>
               <a:stCxn id="141" idx="3"/>
+              <a:endCxn id="145" idx="1"/>
             </p:cNvCxnSpPr>
             <p:nvPr/>
           </p:nvCxnSpPr>
           <p:spPr>
-            <a:xfrm>
-              <a:off x="4234648" y="3461009"/>
-              <a:ext cx="221943" cy="0"/>
+            <a:xfrm flipV="1">
+              <a:off x="4234648" y="3473324"/>
+              <a:ext cx="221943" cy="125"/>
             </a:xfrm>
             <a:prstGeom prst="straightConnector1">
               <a:avLst/>
@@ -3589,27 +3658,23 @@
           </p:nvSpPr>
           <p:spPr>
             <a:xfrm>
-              <a:off x="4456591" y="3164868"/>
+              <a:off x="4456591" y="3146208"/>
               <a:ext cx="754603" cy="654232"/>
             </a:xfrm>
             <a:prstGeom prst="rect">
               <a:avLst/>
             </a:prstGeom>
-            <a:ln>
-              <a:noFill/>
-            </a:ln>
+            <a:ln/>
           </p:spPr>
           <p:style>
-            <a:lnRef idx="2">
-              <a:schemeClr val="accent1">
-                <a:shade val="50000"/>
-              </a:schemeClr>
+            <a:lnRef idx="3">
+              <a:schemeClr val="lt1"/>
             </a:lnRef>
             <a:fillRef idx="1">
-              <a:schemeClr val="accent1"/>
+              <a:schemeClr val="accent5"/>
             </a:fillRef>
-            <a:effectRef idx="0">
-              <a:schemeClr val="accent1"/>
+            <a:effectRef idx="1">
+              <a:schemeClr val="accent5"/>
             </a:effectRef>
             <a:fontRef idx="minor">
               <a:schemeClr val="lt1"/>
@@ -3642,7 +3707,7 @@
           </p:nvSpPr>
           <p:spPr>
             <a:xfrm>
-              <a:off x="5370989" y="3147867"/>
+              <a:off x="5370989" y="3141647"/>
               <a:ext cx="168677" cy="667584"/>
             </a:xfrm>
             <a:prstGeom prst="rect">
@@ -3694,9 +3759,9 @@
             <p:nvPr/>
           </p:nvCxnSpPr>
           <p:spPr>
-            <a:xfrm flipV="1">
-              <a:off x="5211194" y="3481659"/>
-              <a:ext cx="159795" cy="10325"/>
+            <a:xfrm>
+              <a:off x="5211194" y="3473324"/>
+              <a:ext cx="159795" cy="2115"/>
             </a:xfrm>
             <a:prstGeom prst="straightConnector1">
               <a:avLst/>
@@ -3737,9 +3802,9 @@
             <p:nvPr/>
           </p:nvCxnSpPr>
           <p:spPr>
-            <a:xfrm>
-              <a:off x="5539666" y="3481659"/>
-              <a:ext cx="117881" cy="10325"/>
+            <a:xfrm flipV="1">
+              <a:off x="5539666" y="3473324"/>
+              <a:ext cx="117881" cy="2115"/>
             </a:xfrm>
             <a:prstGeom prst="straightConnector1">
               <a:avLst/>
@@ -3777,27 +3842,23 @@
           </p:nvSpPr>
           <p:spPr>
             <a:xfrm>
-              <a:off x="6427431" y="3164868"/>
+              <a:off x="6427431" y="3146208"/>
               <a:ext cx="754603" cy="654232"/>
             </a:xfrm>
             <a:prstGeom prst="rect">
               <a:avLst/>
             </a:prstGeom>
-            <a:ln>
-              <a:noFill/>
-            </a:ln>
+            <a:ln/>
           </p:spPr>
           <p:style>
-            <a:lnRef idx="2">
-              <a:schemeClr val="accent1">
-                <a:shade val="50000"/>
-              </a:schemeClr>
+            <a:lnRef idx="3">
+              <a:schemeClr val="lt1"/>
             </a:lnRef>
             <a:fillRef idx="1">
-              <a:schemeClr val="accent1"/>
+              <a:schemeClr val="accent5"/>
             </a:fillRef>
-            <a:effectRef idx="0">
-              <a:schemeClr val="accent1"/>
+            <a:effectRef idx="1">
+              <a:schemeClr val="accent5"/>
             </a:effectRef>
             <a:fontRef idx="minor">
               <a:schemeClr val="lt1"/>
@@ -3830,7 +3891,7 @@
           </p:nvSpPr>
           <p:spPr>
             <a:xfrm>
-              <a:off x="7341829" y="3147866"/>
+              <a:off x="7341829" y="3141646"/>
               <a:ext cx="168677" cy="667584"/>
             </a:xfrm>
             <a:prstGeom prst="rect">
@@ -3882,9 +3943,9 @@
             <p:nvPr/>
           </p:nvCxnSpPr>
           <p:spPr>
-            <a:xfrm flipV="1">
-              <a:off x="7182034" y="3481658"/>
-              <a:ext cx="159795" cy="10326"/>
+            <a:xfrm>
+              <a:off x="7182034" y="3473324"/>
+              <a:ext cx="159795" cy="2114"/>
             </a:xfrm>
             <a:prstGeom prst="straightConnector1">
               <a:avLst/>
@@ -3926,7 +3987,7 @@
           </p:nvCxnSpPr>
           <p:spPr>
             <a:xfrm>
-              <a:off x="6234599" y="3491984"/>
+              <a:off x="6234599" y="3473324"/>
               <a:ext cx="192832" cy="0"/>
             </a:xfrm>
             <a:prstGeom prst="straightConnector1">
@@ -3963,13 +4024,14 @@
             <p:cNvCxnSpPr>
               <a:cxnSpLocks/>
               <a:stCxn id="152" idx="3"/>
+              <a:endCxn id="156" idx="1"/>
             </p:cNvCxnSpPr>
             <p:nvPr/>
           </p:nvCxnSpPr>
           <p:spPr>
-            <a:xfrm>
-              <a:off x="7510506" y="3481658"/>
-              <a:ext cx="221943" cy="0"/>
+            <a:xfrm flipV="1">
+              <a:off x="7510506" y="3473324"/>
+              <a:ext cx="221943" cy="2114"/>
             </a:xfrm>
             <a:prstGeom prst="straightConnector1">
               <a:avLst/>
@@ -4007,27 +4069,23 @@
           </p:nvSpPr>
           <p:spPr>
             <a:xfrm>
-              <a:off x="7732449" y="3164868"/>
+              <a:off x="7732449" y="3146208"/>
               <a:ext cx="754603" cy="654232"/>
             </a:xfrm>
             <a:prstGeom prst="rect">
               <a:avLst/>
             </a:prstGeom>
-            <a:ln>
-              <a:noFill/>
-            </a:ln>
+            <a:ln/>
           </p:spPr>
           <p:style>
-            <a:lnRef idx="2">
-              <a:schemeClr val="accent1">
-                <a:shade val="50000"/>
-              </a:schemeClr>
+            <a:lnRef idx="3">
+              <a:schemeClr val="lt1"/>
             </a:lnRef>
             <a:fillRef idx="1">
-              <a:schemeClr val="accent1"/>
+              <a:schemeClr val="accent5"/>
             </a:fillRef>
-            <a:effectRef idx="0">
-              <a:schemeClr val="accent1"/>
+            <a:effectRef idx="1">
+              <a:schemeClr val="accent5"/>
             </a:effectRef>
             <a:fontRef idx="minor">
               <a:schemeClr val="lt1"/>
@@ -4060,7 +4118,7 @@
           </p:nvSpPr>
           <p:spPr>
             <a:xfrm>
-              <a:off x="8646847" y="3147867"/>
+              <a:off x="8646847" y="3141647"/>
               <a:ext cx="168677" cy="667584"/>
             </a:xfrm>
             <a:prstGeom prst="rect">
@@ -4112,9 +4170,9 @@
             <p:nvPr/>
           </p:nvCxnSpPr>
           <p:spPr>
-            <a:xfrm flipV="1">
-              <a:off x="8487052" y="3481659"/>
-              <a:ext cx="159795" cy="10325"/>
+            <a:xfrm>
+              <a:off x="8487052" y="3473324"/>
+              <a:ext cx="159795" cy="2115"/>
             </a:xfrm>
             <a:prstGeom prst="straightConnector1">
               <a:avLst/>
@@ -4150,13 +4208,14 @@
             <p:cNvCxnSpPr>
               <a:cxnSpLocks/>
               <a:stCxn id="157" idx="3"/>
+              <a:endCxn id="183" idx="1"/>
             </p:cNvCxnSpPr>
             <p:nvPr/>
           </p:nvCxnSpPr>
           <p:spPr>
             <a:xfrm>
-              <a:off x="8815524" y="3481659"/>
-              <a:ext cx="221943" cy="0"/>
+              <a:off x="8815524" y="3475439"/>
+              <a:ext cx="230810" cy="455"/>
             </a:xfrm>
             <a:prstGeom prst="straightConnector1">
               <a:avLst/>
@@ -4194,24 +4253,23 @@
           </p:nvSpPr>
           <p:spPr>
             <a:xfrm>
-              <a:off x="5657547" y="3164868"/>
+              <a:off x="5657547" y="3146208"/>
               <a:ext cx="577052" cy="654232"/>
             </a:xfrm>
             <a:prstGeom prst="rect">
               <a:avLst/>
             </a:prstGeom>
+            <a:ln/>
           </p:spPr>
           <p:style>
-            <a:lnRef idx="2">
-              <a:schemeClr val="accent1">
-                <a:shade val="50000"/>
-              </a:schemeClr>
+            <a:lnRef idx="3">
+              <a:schemeClr val="lt1"/>
             </a:lnRef>
             <a:fillRef idx="1">
-              <a:schemeClr val="accent1"/>
+              <a:schemeClr val="accent5"/>
             </a:fillRef>
-            <a:effectRef idx="0">
-              <a:schemeClr val="accent1"/>
+            <a:effectRef idx="1">
+              <a:schemeClr val="accent5"/>
             </a:effectRef>
             <a:fontRef idx="minor">
               <a:schemeClr val="lt1"/>
@@ -4244,27 +4302,23 @@
           </p:nvSpPr>
           <p:spPr>
             <a:xfrm>
-              <a:off x="9046334" y="3161218"/>
+              <a:off x="9046334" y="3148778"/>
               <a:ext cx="577052" cy="654232"/>
             </a:xfrm>
             <a:prstGeom prst="rect">
               <a:avLst/>
             </a:prstGeom>
-            <a:ln>
-              <a:noFill/>
-            </a:ln>
+            <a:ln/>
           </p:spPr>
           <p:style>
-            <a:lnRef idx="2">
-              <a:schemeClr val="accent1">
-                <a:shade val="50000"/>
-              </a:schemeClr>
+            <a:lnRef idx="3">
+              <a:schemeClr val="lt1"/>
             </a:lnRef>
             <a:fillRef idx="1">
-              <a:schemeClr val="accent1"/>
+              <a:schemeClr val="accent5"/>
             </a:fillRef>
-            <a:effectRef idx="0">
-              <a:schemeClr val="accent1"/>
+            <a:effectRef idx="1">
+              <a:schemeClr val="accent5"/>
             </a:effectRef>
             <a:fontRef idx="minor">
               <a:schemeClr val="lt1"/>
@@ -4294,13 +4348,14 @@
             </p:cNvPr>
             <p:cNvCxnSpPr>
               <a:cxnSpLocks/>
+              <a:stCxn id="183" idx="3"/>
             </p:cNvCxnSpPr>
             <p:nvPr/>
           </p:nvCxnSpPr>
           <p:spPr>
             <a:xfrm>
-              <a:off x="9614512" y="3466170"/>
-              <a:ext cx="221943" cy="0"/>
+              <a:off x="9623386" y="3475894"/>
+              <a:ext cx="213062" cy="0"/>
             </a:xfrm>
             <a:prstGeom prst="straightConnector1">
               <a:avLst/>
@@ -4339,10 +4394,10 @@
         </p:nvGrpSpPr>
         <p:grpSpPr>
           <a:xfrm>
-            <a:off x="2734316" y="950104"/>
-            <a:ext cx="6773660" cy="648070"/>
-            <a:chOff x="2734323" y="763479"/>
-            <a:chExt cx="6773660" cy="648070"/>
+            <a:off x="2734316" y="958982"/>
+            <a:ext cx="6773660" cy="639192"/>
+            <a:chOff x="2734323" y="772357"/>
+            <a:chExt cx="6773660" cy="639192"/>
           </a:xfrm>
         </p:grpSpPr>
         <p:grpSp>
@@ -4359,10 +4414,10 @@
           </p:nvGrpSpPr>
           <p:grpSpPr>
             <a:xfrm>
-              <a:off x="2734323" y="763479"/>
-              <a:ext cx="3284733" cy="648070"/>
-              <a:chOff x="1953087" y="727969"/>
-              <a:chExt cx="3284733" cy="648070"/>
+              <a:off x="2734323" y="777539"/>
+              <a:ext cx="3284733" cy="634010"/>
+              <a:chOff x="1953087" y="742029"/>
+              <a:chExt cx="3284733" cy="634010"/>
             </a:xfrm>
           </p:grpSpPr>
           <p:sp>
@@ -4385,21 +4440,17 @@
               <a:prstGeom prst="rect">
                 <a:avLst/>
               </a:prstGeom>
-              <a:ln>
-                <a:noFill/>
-              </a:ln>
+              <a:ln/>
             </p:spPr>
             <p:style>
-              <a:lnRef idx="2">
-                <a:schemeClr val="accent1">
-                  <a:shade val="50000"/>
-                </a:schemeClr>
+              <a:lnRef idx="3">
+                <a:schemeClr val="lt1"/>
               </a:lnRef>
               <a:fillRef idx="1">
-                <a:schemeClr val="accent1"/>
+                <a:schemeClr val="accent5"/>
               </a:fillRef>
-              <a:effectRef idx="0">
-                <a:schemeClr val="accent1"/>
+              <a:effectRef idx="1">
+                <a:schemeClr val="accent5"/>
               </a:effectRef>
               <a:fontRef idx="minor">
                 <a:schemeClr val="lt1"/>
@@ -4411,7 +4462,7 @@
               <a:p>
                 <a:pPr algn="ctr"/>
                 <a:r>
-                  <a:rPr lang="en-US" altLang="zh-CN" b="1"/>
+                  <a:rPr lang="en-US" altLang="zh-CN" b="1" dirty="0"/>
                   <a:t>Conv</a:t>
                 </a:r>
                 <a:endParaRPr lang="zh-CN" altLang="en-US" b="1" dirty="0"/>
@@ -4432,7 +4483,7 @@
             </p:nvSpPr>
             <p:spPr>
               <a:xfrm>
-                <a:off x="3284735" y="923277"/>
+                <a:off x="3284735" y="929497"/>
                 <a:ext cx="168677" cy="443884"/>
               </a:xfrm>
               <a:prstGeom prst="rect">
@@ -4483,9 +4534,9 @@
               <p:nvPr/>
             </p:nvCxnSpPr>
             <p:spPr>
-              <a:xfrm flipV="1">
-                <a:off x="3124940" y="1145219"/>
-                <a:ext cx="159795" cy="4439"/>
+              <a:xfrm>
+                <a:off x="3124940" y="1149658"/>
+                <a:ext cx="159795" cy="1781"/>
               </a:xfrm>
               <a:prstGeom prst="straightConnector1">
                 <a:avLst/>
@@ -4566,7 +4617,7 @@
             </p:nvCxnSpPr>
             <p:spPr>
               <a:xfrm>
-                <a:off x="3453412" y="1145219"/>
+                <a:off x="3453412" y="1151439"/>
                 <a:ext cx="221943" cy="0"/>
               </a:xfrm>
               <a:prstGeom prst="straightConnector1">
@@ -4605,27 +4656,23 @@
             </p:nvSpPr>
             <p:spPr>
               <a:xfrm>
-                <a:off x="3675355" y="941033"/>
+                <a:off x="3675355" y="934813"/>
                 <a:ext cx="754603" cy="435006"/>
               </a:xfrm>
               <a:prstGeom prst="rect">
                 <a:avLst/>
               </a:prstGeom>
-              <a:ln>
-                <a:noFill/>
-              </a:ln>
+              <a:ln/>
             </p:spPr>
             <p:style>
-              <a:lnRef idx="2">
-                <a:schemeClr val="accent1">
-                  <a:shade val="50000"/>
-                </a:schemeClr>
+              <a:lnRef idx="3">
+                <a:schemeClr val="lt1"/>
               </a:lnRef>
               <a:fillRef idx="1">
-                <a:schemeClr val="accent1"/>
+                <a:schemeClr val="accent5"/>
               </a:fillRef>
-              <a:effectRef idx="0">
-                <a:schemeClr val="accent1"/>
+              <a:effectRef idx="1">
+                <a:schemeClr val="accent5"/>
               </a:effectRef>
               <a:fontRef idx="minor">
                 <a:schemeClr val="lt1"/>
@@ -4637,7 +4684,7 @@
               <a:p>
                 <a:pPr algn="ctr"/>
                 <a:r>
-                  <a:rPr lang="en-US" altLang="zh-CN" b="1"/>
+                  <a:rPr lang="en-US" altLang="zh-CN" b="1" dirty="0"/>
                   <a:t>Conv</a:t>
                 </a:r>
                 <a:endParaRPr lang="zh-CN" altLang="en-US" b="1" dirty="0"/>
@@ -4709,9 +4756,9 @@
               <p:nvPr/>
             </p:nvCxnSpPr>
             <p:spPr>
-              <a:xfrm flipV="1">
-                <a:off x="4429958" y="1154097"/>
-                <a:ext cx="159795" cy="4439"/>
+              <a:xfrm>
+                <a:off x="4429958" y="1152316"/>
+                <a:ext cx="159795" cy="1781"/>
               </a:xfrm>
               <a:prstGeom prst="straightConnector1">
                 <a:avLst/>
@@ -4753,8 +4800,8 @@
             </p:nvCxnSpPr>
             <p:spPr>
               <a:xfrm flipV="1">
-                <a:off x="4758430" y="1145219"/>
-                <a:ext cx="230817" cy="8878"/>
+                <a:off x="4758430" y="1151439"/>
+                <a:ext cx="230817" cy="2658"/>
               </a:xfrm>
               <a:prstGeom prst="straightConnector1">
                 <a:avLst/>
@@ -4792,7 +4839,7 @@
             </p:nvCxnSpPr>
             <p:spPr>
               <a:xfrm flipV="1">
-                <a:off x="2072933" y="736847"/>
+                <a:off x="2079153" y="743067"/>
                 <a:ext cx="0" cy="408372"/>
               </a:xfrm>
               <a:prstGeom prst="line">
@@ -4830,7 +4877,7 @@
             </p:nvCxnSpPr>
             <p:spPr>
               <a:xfrm>
-                <a:off x="2072933" y="736847"/>
+                <a:off x="2079153" y="743067"/>
                 <a:ext cx="3031726" cy="0"/>
               </a:xfrm>
               <a:prstGeom prst="line">
@@ -4863,14 +4910,13 @@
               </p:cNvPr>
               <p:cNvCxnSpPr>
                 <a:cxnSpLocks/>
-                <a:endCxn id="17" idx="0"/>
               </p:cNvCxnSpPr>
               <p:nvPr/>
             </p:nvCxnSpPr>
             <p:spPr>
-              <a:xfrm>
-                <a:off x="5113533" y="727969"/>
-                <a:ext cx="1" cy="292963"/>
+              <a:xfrm flipH="1">
+                <a:off x="5113534" y="742029"/>
+                <a:ext cx="2184" cy="272683"/>
               </a:xfrm>
               <a:prstGeom prst="straightConnector1">
                 <a:avLst/>
@@ -4908,7 +4954,7 @@
             </p:nvSpPr>
             <p:spPr>
               <a:xfrm>
-                <a:off x="4989247" y="1020932"/>
+                <a:off x="4989247" y="1027152"/>
                 <a:ext cx="248573" cy="248573"/>
               </a:xfrm>
               <a:prstGeom prst="flowChartOr">
@@ -4917,7 +4963,11 @@
               <a:solidFill>
                 <a:schemeClr val="bg1"/>
               </a:solidFill>
-              <a:ln w="28575"/>
+              <a:ln w="28575">
+                <a:solidFill>
+                  <a:schemeClr val="accent5"/>
+                </a:solidFill>
+              </a:ln>
             </p:spPr>
             <p:style>
               <a:lnRef idx="2">
@@ -4940,7 +4990,7 @@
               <a:lstStyle/>
               <a:p>
                 <a:pPr algn="ctr"/>
-                <a:endParaRPr lang="zh-CN" altLang="en-US"/>
+                <a:endParaRPr lang="zh-CN" altLang="en-US" b="1"/>
               </a:p>
             </p:txBody>
           </p:sp>
@@ -4985,21 +5035,17 @@
               <a:prstGeom prst="rect">
                 <a:avLst/>
               </a:prstGeom>
-              <a:ln>
-                <a:noFill/>
-              </a:ln>
+              <a:ln/>
             </p:spPr>
             <p:style>
-              <a:lnRef idx="2">
-                <a:schemeClr val="accent1">
-                  <a:shade val="50000"/>
-                </a:schemeClr>
+              <a:lnRef idx="3">
+                <a:schemeClr val="lt1"/>
               </a:lnRef>
               <a:fillRef idx="1">
-                <a:schemeClr val="accent1"/>
+                <a:schemeClr val="accent5"/>
               </a:fillRef>
-              <a:effectRef idx="0">
-                <a:schemeClr val="accent1"/>
+              <a:effectRef idx="1">
+                <a:schemeClr val="accent5"/>
               </a:effectRef>
               <a:fontRef idx="minor">
                 <a:schemeClr val="lt1"/>
@@ -5032,7 +5078,7 @@
             </p:nvSpPr>
             <p:spPr>
               <a:xfrm>
-                <a:off x="3284735" y="923277"/>
+                <a:off x="3284735" y="929497"/>
                 <a:ext cx="168677" cy="443884"/>
               </a:xfrm>
               <a:prstGeom prst="rect">
@@ -5083,9 +5129,9 @@
               <p:nvPr/>
             </p:nvCxnSpPr>
             <p:spPr>
-              <a:xfrm flipV="1">
-                <a:off x="3124940" y="1145219"/>
-                <a:ext cx="159795" cy="4439"/>
+              <a:xfrm>
+                <a:off x="3124940" y="1149658"/>
+                <a:ext cx="159795" cy="1781"/>
               </a:xfrm>
               <a:prstGeom prst="straightConnector1">
                 <a:avLst/>
@@ -5166,7 +5212,7 @@
             </p:nvCxnSpPr>
             <p:spPr>
               <a:xfrm>
-                <a:off x="3453412" y="1145219"/>
+                <a:off x="3453412" y="1151439"/>
                 <a:ext cx="221943" cy="0"/>
               </a:xfrm>
               <a:prstGeom prst="straightConnector1">
@@ -5211,21 +5257,17 @@
               <a:prstGeom prst="rect">
                 <a:avLst/>
               </a:prstGeom>
-              <a:ln>
-                <a:noFill/>
-              </a:ln>
+              <a:ln/>
             </p:spPr>
             <p:style>
-              <a:lnRef idx="2">
-                <a:schemeClr val="accent1">
-                  <a:shade val="50000"/>
-                </a:schemeClr>
+              <a:lnRef idx="3">
+                <a:schemeClr val="lt1"/>
               </a:lnRef>
               <a:fillRef idx="1">
-                <a:schemeClr val="accent1"/>
+                <a:schemeClr val="accent5"/>
               </a:fillRef>
-              <a:effectRef idx="0">
-                <a:schemeClr val="accent1"/>
+              <a:effectRef idx="1">
+                <a:schemeClr val="accent5"/>
               </a:effectRef>
               <a:fontRef idx="minor">
                 <a:schemeClr val="lt1"/>
@@ -5237,7 +5279,7 @@
               <a:p>
                 <a:pPr algn="ctr"/>
                 <a:r>
-                  <a:rPr lang="en-US" altLang="zh-CN" b="1"/>
+                  <a:rPr lang="en-US" altLang="zh-CN" b="1" dirty="0"/>
                   <a:t>Conv</a:t>
                 </a:r>
                 <a:endParaRPr lang="zh-CN" altLang="en-US" b="1" dirty="0"/>
@@ -5303,6 +5345,7 @@
                 </a:extLst>
               </p:cNvPr>
               <p:cNvCxnSpPr>
+                <a:cxnSpLocks/>
                 <a:stCxn id="25" idx="3"/>
                 <a:endCxn id="26" idx="1"/>
               </p:cNvCxnSpPr>
@@ -5517,7 +5560,11 @@
               <a:solidFill>
                 <a:schemeClr val="bg1"/>
               </a:solidFill>
-              <a:ln w="28575"/>
+              <a:ln w="28575">
+                <a:solidFill>
+                  <a:schemeClr val="accent5"/>
+                </a:solidFill>
+              </a:ln>
             </p:spPr>
             <p:style>
               <a:lnRef idx="2">
@@ -5540,7 +5587,7 @@
               <a:lstStyle/>
               <a:p>
                 <a:pPr algn="ctr"/>
-                <a:endParaRPr lang="zh-CN" altLang="en-US"/>
+                <a:endParaRPr lang="zh-CN" altLang="en-US" b="1"/>
               </a:p>
             </p:txBody>
           </p:sp>
@@ -5607,21 +5654,17 @@
           <a:prstGeom prst="rect">
             <a:avLst/>
           </a:prstGeom>
-          <a:ln>
-            <a:noFill/>
-          </a:ln>
+          <a:ln/>
         </p:spPr>
         <p:style>
-          <a:lnRef idx="2">
-            <a:schemeClr val="accent1">
-              <a:shade val="50000"/>
-            </a:schemeClr>
+          <a:lnRef idx="3">
+            <a:schemeClr val="lt1"/>
           </a:lnRef>
           <a:fillRef idx="1">
-            <a:schemeClr val="accent1"/>
+            <a:schemeClr val="accent5"/>
           </a:fillRef>
-          <a:effectRef idx="0">
-            <a:schemeClr val="accent1"/>
+          <a:effectRef idx="1">
+            <a:schemeClr val="accent5"/>
           </a:effectRef>
           <a:fontRef idx="minor">
             <a:schemeClr val="lt1"/>
@@ -5654,7 +5697,7 @@
         </p:nvSpPr>
         <p:spPr>
           <a:xfrm>
-            <a:off x="4065971" y="2425082"/>
+            <a:off x="4065971" y="2431302"/>
             <a:ext cx="168677" cy="443884"/>
           </a:xfrm>
           <a:prstGeom prst="rect">
@@ -5705,9 +5748,9 @@
           <p:nvPr/>
         </p:nvCxnSpPr>
         <p:spPr>
-          <a:xfrm flipV="1">
-            <a:off x="3906176" y="2647024"/>
-            <a:ext cx="159795" cy="4439"/>
+          <a:xfrm>
+            <a:off x="3906176" y="2651463"/>
+            <a:ext cx="159795" cy="1781"/>
           </a:xfrm>
           <a:prstGeom prst="straightConnector1">
             <a:avLst/>
@@ -5782,14 +5825,16 @@
             </a:extLst>
           </p:cNvPr>
           <p:cNvCxnSpPr>
+            <a:cxnSpLocks/>
             <a:stCxn id="37" idx="3"/>
+            <a:endCxn id="41" idx="1"/>
           </p:cNvCxnSpPr>
           <p:nvPr/>
         </p:nvCxnSpPr>
         <p:spPr>
-          <a:xfrm>
-            <a:off x="4234648" y="2647024"/>
-            <a:ext cx="221943" cy="0"/>
+          <a:xfrm flipV="1">
+            <a:off x="4234648" y="2647901"/>
+            <a:ext cx="221943" cy="5343"/>
           </a:xfrm>
           <a:prstGeom prst="straightConnector1">
             <a:avLst/>
@@ -5827,27 +5872,23 @@
         </p:nvSpPr>
         <p:spPr>
           <a:xfrm>
-            <a:off x="4456591" y="2442838"/>
+            <a:off x="4456591" y="2430398"/>
             <a:ext cx="754603" cy="435006"/>
           </a:xfrm>
           <a:prstGeom prst="rect">
             <a:avLst/>
           </a:prstGeom>
-          <a:ln>
-            <a:noFill/>
-          </a:ln>
+          <a:ln/>
         </p:spPr>
         <p:style>
-          <a:lnRef idx="2">
-            <a:schemeClr val="accent1">
-              <a:shade val="50000"/>
-            </a:schemeClr>
+          <a:lnRef idx="3">
+            <a:schemeClr val="lt1"/>
           </a:lnRef>
           <a:fillRef idx="1">
-            <a:schemeClr val="accent1"/>
+            <a:schemeClr val="accent5"/>
           </a:fillRef>
-          <a:effectRef idx="0">
-            <a:schemeClr val="accent1"/>
+          <a:effectRef idx="1">
+            <a:schemeClr val="accent5"/>
           </a:effectRef>
           <a:fontRef idx="minor">
             <a:schemeClr val="lt1"/>
@@ -5880,7 +5921,7 @@
         </p:nvSpPr>
         <p:spPr>
           <a:xfrm>
-            <a:off x="5370989" y="2433960"/>
+            <a:off x="5370989" y="2427740"/>
             <a:ext cx="168677" cy="443884"/>
           </a:xfrm>
           <a:prstGeom prst="rect">
@@ -5931,9 +5972,9 @@
           <p:nvPr/>
         </p:nvCxnSpPr>
         <p:spPr>
-          <a:xfrm flipV="1">
-            <a:off x="5211194" y="2655902"/>
-            <a:ext cx="159795" cy="4439"/>
+          <a:xfrm>
+            <a:off x="5211194" y="2647901"/>
+            <a:ext cx="159795" cy="1781"/>
           </a:xfrm>
           <a:prstGeom prst="straightConnector1">
             <a:avLst/>
@@ -5975,7 +6016,7 @@
         </p:nvCxnSpPr>
         <p:spPr>
           <a:xfrm>
-            <a:off x="5539666" y="2655902"/>
+            <a:off x="5539666" y="2649682"/>
             <a:ext cx="117881" cy="4439"/>
           </a:xfrm>
           <a:prstGeom prst="straightConnector1">
@@ -6016,7 +6057,7 @@
         </p:nvCxnSpPr>
         <p:spPr>
           <a:xfrm flipV="1">
-            <a:off x="2854169" y="2140997"/>
+            <a:off x="2860389" y="2140997"/>
             <a:ext cx="0" cy="506027"/>
           </a:xfrm>
           <a:prstGeom prst="line">
@@ -6049,13 +6090,14 @@
           </p:cNvPr>
           <p:cNvCxnSpPr>
             <a:cxnSpLocks/>
+            <a:endCxn id="81" idx="0"/>
           </p:cNvCxnSpPr>
           <p:nvPr/>
         </p:nvCxnSpPr>
         <p:spPr>
           <a:xfrm>
-            <a:off x="5946073" y="2149487"/>
-            <a:ext cx="0" cy="301841"/>
+            <a:off x="5946073" y="2143267"/>
+            <a:ext cx="0" cy="293351"/>
           </a:xfrm>
           <a:prstGeom prst="straightConnector1">
             <a:avLst/>
@@ -6093,27 +6135,23 @@
         </p:nvSpPr>
         <p:spPr>
           <a:xfrm>
-            <a:off x="6427431" y="2433960"/>
+            <a:off x="6427431" y="2427740"/>
             <a:ext cx="754603" cy="435006"/>
           </a:xfrm>
           <a:prstGeom prst="rect">
             <a:avLst/>
           </a:prstGeom>
-          <a:ln>
-            <a:noFill/>
-          </a:ln>
+          <a:ln/>
         </p:spPr>
         <p:style>
-          <a:lnRef idx="2">
-            <a:schemeClr val="accent1">
-              <a:shade val="50000"/>
-            </a:schemeClr>
+          <a:lnRef idx="3">
+            <a:schemeClr val="lt1"/>
           </a:lnRef>
           <a:fillRef idx="1">
-            <a:schemeClr val="accent1"/>
+            <a:schemeClr val="accent5"/>
           </a:fillRef>
-          <a:effectRef idx="0">
-            <a:schemeClr val="accent1"/>
+          <a:effectRef idx="1">
+            <a:schemeClr val="accent5"/>
           </a:effectRef>
           <a:fontRef idx="minor">
             <a:schemeClr val="lt1"/>
@@ -6146,7 +6184,7 @@
         </p:nvSpPr>
         <p:spPr>
           <a:xfrm>
-            <a:off x="7341829" y="2425082"/>
+            <a:off x="7341829" y="2418862"/>
             <a:ext cx="168677" cy="443884"/>
           </a:xfrm>
           <a:prstGeom prst="rect">
@@ -6198,7 +6236,7 @@
         </p:nvCxnSpPr>
         <p:spPr>
           <a:xfrm flipV="1">
-            <a:off x="7182034" y="2647024"/>
+            <a:off x="7182034" y="2640804"/>
             <a:ext cx="159795" cy="4439"/>
           </a:xfrm>
           <a:prstGeom prst="straightConnector1">
@@ -6241,7 +6279,7 @@
         </p:nvCxnSpPr>
         <p:spPr>
           <a:xfrm flipV="1">
-            <a:off x="6234599" y="2651463"/>
+            <a:off x="6234599" y="2645243"/>
             <a:ext cx="192832" cy="8878"/>
           </a:xfrm>
           <a:prstGeom prst="straightConnector1">
@@ -6276,14 +6314,16 @@
             </a:extLst>
           </p:cNvPr>
           <p:cNvCxnSpPr>
+            <a:cxnSpLocks/>
             <a:stCxn id="51" idx="3"/>
+            <a:endCxn id="55" idx="1"/>
           </p:cNvCxnSpPr>
           <p:nvPr/>
         </p:nvCxnSpPr>
         <p:spPr>
           <a:xfrm>
-            <a:off x="7510506" y="2647024"/>
-            <a:ext cx="221943" cy="0"/>
+            <a:off x="7510506" y="2640804"/>
+            <a:ext cx="221943" cy="7097"/>
           </a:xfrm>
           <a:prstGeom prst="straightConnector1">
             <a:avLst/>
@@ -6321,27 +6361,23 @@
         </p:nvSpPr>
         <p:spPr>
           <a:xfrm>
-            <a:off x="7732449" y="2442838"/>
+            <a:off x="7732449" y="2430398"/>
             <a:ext cx="754603" cy="435006"/>
           </a:xfrm>
           <a:prstGeom prst="rect">
             <a:avLst/>
           </a:prstGeom>
-          <a:ln>
-            <a:noFill/>
-          </a:ln>
+          <a:ln/>
         </p:spPr>
         <p:style>
-          <a:lnRef idx="2">
-            <a:schemeClr val="accent1">
-              <a:shade val="50000"/>
-            </a:schemeClr>
+          <a:lnRef idx="3">
+            <a:schemeClr val="lt1"/>
           </a:lnRef>
           <a:fillRef idx="1">
-            <a:schemeClr val="accent1"/>
+            <a:schemeClr val="accent5"/>
           </a:fillRef>
-          <a:effectRef idx="0">
-            <a:schemeClr val="accent1"/>
+          <a:effectRef idx="1">
+            <a:schemeClr val="accent5"/>
           </a:effectRef>
           <a:fontRef idx="minor">
             <a:schemeClr val="lt1"/>
@@ -6374,7 +6410,7 @@
         </p:nvSpPr>
         <p:spPr>
           <a:xfrm>
-            <a:off x="8646847" y="2433960"/>
+            <a:off x="8646847" y="2427740"/>
             <a:ext cx="168677" cy="443884"/>
           </a:xfrm>
           <a:prstGeom prst="rect">
@@ -6425,9 +6461,9 @@
           <p:nvPr/>
         </p:nvCxnSpPr>
         <p:spPr>
-          <a:xfrm flipV="1">
-            <a:off x="8487052" y="2655902"/>
-            <a:ext cx="159795" cy="4439"/>
+          <a:xfrm>
+            <a:off x="8487052" y="2647901"/>
+            <a:ext cx="159795" cy="1781"/>
           </a:xfrm>
           <a:prstGeom prst="straightConnector1">
             <a:avLst/>
@@ -6463,13 +6499,14 @@
           <p:cNvCxnSpPr>
             <a:cxnSpLocks/>
             <a:stCxn id="56" idx="3"/>
+            <a:endCxn id="126" idx="1"/>
           </p:cNvCxnSpPr>
           <p:nvPr/>
         </p:nvCxnSpPr>
         <p:spPr>
-          <a:xfrm>
-            <a:off x="8815524" y="2655902"/>
-            <a:ext cx="221943" cy="0"/>
+          <a:xfrm flipV="1">
+            <a:off x="8815524" y="2648422"/>
+            <a:ext cx="221936" cy="1260"/>
           </a:xfrm>
           <a:prstGeom prst="straightConnector1">
             <a:avLst/>
@@ -6509,9 +6546,9 @@
           <p:nvPr/>
         </p:nvCxnSpPr>
         <p:spPr>
-          <a:xfrm>
-            <a:off x="2854169" y="2140997"/>
-            <a:ext cx="295184" cy="4439"/>
+          <a:xfrm flipV="1">
+            <a:off x="2863186" y="2139216"/>
+            <a:ext cx="286167" cy="3959"/>
           </a:xfrm>
           <a:prstGeom prst="straightConnector1">
             <a:avLst/>
@@ -6549,27 +6586,23 @@
         </p:nvSpPr>
         <p:spPr>
           <a:xfrm>
-            <a:off x="3149353" y="1927933"/>
+            <a:off x="3149353" y="1921713"/>
             <a:ext cx="754603" cy="435006"/>
           </a:xfrm>
           <a:prstGeom prst="rect">
             <a:avLst/>
           </a:prstGeom>
-          <a:ln>
-            <a:noFill/>
-          </a:ln>
+          <a:ln/>
         </p:spPr>
         <p:style>
-          <a:lnRef idx="2">
-            <a:schemeClr val="accent1">
-              <a:shade val="50000"/>
-            </a:schemeClr>
+          <a:lnRef idx="3">
+            <a:schemeClr val="lt1"/>
           </a:lnRef>
           <a:fillRef idx="1">
-            <a:schemeClr val="accent1"/>
+            <a:schemeClr val="accent5"/>
           </a:fillRef>
-          <a:effectRef idx="0">
-            <a:schemeClr val="accent1"/>
+          <a:effectRef idx="1">
+            <a:schemeClr val="accent5"/>
           </a:effectRef>
           <a:fontRef idx="minor">
             <a:schemeClr val="lt1"/>
@@ -6582,7 +6615,7 @@
             <a:pPr algn="ctr"/>
             <a:r>
               <a:rPr lang="en-US" altLang="zh-CN" b="1" dirty="0"/>
-              <a:t>Id</a:t>
+              <a:t>Id.</a:t>
             </a:r>
             <a:endParaRPr lang="zh-CN" altLang="en-US" b="1" dirty="0"/>
           </a:p>
@@ -6654,9 +6687,9 @@
           <p:nvPr/>
         </p:nvCxnSpPr>
         <p:spPr>
-          <a:xfrm flipV="1">
-            <a:off x="3903956" y="2140997"/>
-            <a:ext cx="159795" cy="4439"/>
+          <a:xfrm>
+            <a:off x="3903956" y="2139216"/>
+            <a:ext cx="159795" cy="1781"/>
           </a:xfrm>
           <a:prstGeom prst="straightConnector1">
             <a:avLst/>
@@ -6692,13 +6725,14 @@
           <p:cNvCxnSpPr>
             <a:cxnSpLocks/>
             <a:stCxn id="67" idx="3"/>
+            <a:endCxn id="70" idx="1"/>
           </p:cNvCxnSpPr>
           <p:nvPr/>
         </p:nvCxnSpPr>
         <p:spPr>
           <a:xfrm>
             <a:off x="4232428" y="2140997"/>
-            <a:ext cx="221943" cy="0"/>
+            <a:ext cx="221943" cy="877"/>
           </a:xfrm>
           <a:prstGeom prst="straightConnector1">
             <a:avLst/>
@@ -6736,27 +6770,23 @@
         </p:nvSpPr>
         <p:spPr>
           <a:xfrm>
-            <a:off x="4454371" y="1936811"/>
+            <a:off x="4454371" y="1924371"/>
             <a:ext cx="754603" cy="435006"/>
           </a:xfrm>
           <a:prstGeom prst="rect">
             <a:avLst/>
           </a:prstGeom>
-          <a:ln>
-            <a:noFill/>
-          </a:ln>
+          <a:ln/>
         </p:spPr>
         <p:style>
-          <a:lnRef idx="2">
-            <a:schemeClr val="accent1">
-              <a:shade val="50000"/>
-            </a:schemeClr>
+          <a:lnRef idx="3">
+            <a:schemeClr val="lt1"/>
           </a:lnRef>
           <a:fillRef idx="1">
-            <a:schemeClr val="accent1"/>
+            <a:schemeClr val="accent5"/>
           </a:fillRef>
-          <a:effectRef idx="0">
-            <a:schemeClr val="accent1"/>
+          <a:effectRef idx="1">
+            <a:schemeClr val="accent5"/>
           </a:effectRef>
           <a:fontRef idx="minor">
             <a:schemeClr val="lt1"/>
@@ -6769,7 +6799,7 @@
             <a:pPr algn="ctr"/>
             <a:r>
               <a:rPr lang="en-US" altLang="zh-CN" b="1" dirty="0"/>
-              <a:t>Id</a:t>
+              <a:t>Id.</a:t>
             </a:r>
             <a:endParaRPr lang="zh-CN" altLang="en-US" b="1" dirty="0"/>
           </a:p>
@@ -6789,7 +6819,7 @@
         </p:nvSpPr>
         <p:spPr>
           <a:xfrm>
-            <a:off x="5368769" y="1927933"/>
+            <a:off x="5368769" y="1921713"/>
             <a:ext cx="168677" cy="443884"/>
           </a:xfrm>
           <a:prstGeom prst="rect">
@@ -6841,9 +6871,9 @@
           <p:nvPr/>
         </p:nvCxnSpPr>
         <p:spPr>
-          <a:xfrm flipV="1">
-            <a:off x="5208974" y="2149875"/>
-            <a:ext cx="159795" cy="4439"/>
+          <a:xfrm>
+            <a:off x="5208974" y="2141874"/>
+            <a:ext cx="159795" cy="1781"/>
           </a:xfrm>
           <a:prstGeom prst="straightConnector1">
             <a:avLst/>
@@ -6869,42 +6899,6 @@
       </p:cxnSp>
       <p:sp>
         <p:nvSpPr>
-          <p:cNvPr id="79" name="文本框 78">
-            <a:extLst>
-              <a:ext uri="{FF2B5EF4-FFF2-40B4-BE49-F238E27FC236}">
-                <a16:creationId xmlns:a16="http://schemas.microsoft.com/office/drawing/2014/main" id="{1446FD84-BE6E-4E7B-9832-B04E562FDD97}"/>
-              </a:ext>
-            </a:extLst>
-          </p:cNvPr>
-          <p:cNvSpPr txBox="1"/>
-          <p:nvPr/>
-        </p:nvSpPr>
-        <p:spPr>
-          <a:xfrm>
-            <a:off x="2745157" y="1835439"/>
-            <a:ext cx="563992" cy="307777"/>
-          </a:xfrm>
-          <a:prstGeom prst="rect">
-            <a:avLst/>
-          </a:prstGeom>
-          <a:noFill/>
-        </p:spPr>
-        <p:txBody>
-          <a:bodyPr wrap="square" rtlCol="0">
-            <a:spAutoFit/>
-          </a:bodyPr>
-          <a:lstStyle/>
-          <a:p>
-            <a:r>
-              <a:rPr lang="en-US" altLang="zh-CN" sz="1400" b="1" dirty="0"/>
-              <a:t>+C</a:t>
-            </a:r>
-            <a:endParaRPr lang="zh-CN" altLang="en-US" sz="1400" b="1" dirty="0"/>
-          </a:p>
-        </p:txBody>
-      </p:sp>
-      <p:sp>
-        <p:nvSpPr>
           <p:cNvPr id="80" name="文本框 79">
             <a:extLst>
               <a:ext uri="{FF2B5EF4-FFF2-40B4-BE49-F238E27FC236}">
@@ -6953,27 +6947,23 @@
         </p:nvSpPr>
         <p:spPr>
           <a:xfrm>
-            <a:off x="5657547" y="2442838"/>
+            <a:off x="5657547" y="2436618"/>
             <a:ext cx="577052" cy="435006"/>
           </a:xfrm>
           <a:prstGeom prst="rect">
             <a:avLst/>
           </a:prstGeom>
-          <a:ln>
-            <a:noFill/>
-          </a:ln>
+          <a:ln/>
         </p:spPr>
         <p:style>
-          <a:lnRef idx="2">
-            <a:schemeClr val="accent1">
-              <a:shade val="50000"/>
-            </a:schemeClr>
+          <a:lnRef idx="3">
+            <a:schemeClr val="lt1"/>
           </a:lnRef>
           <a:fillRef idx="1">
-            <a:schemeClr val="accent1"/>
+            <a:schemeClr val="accent5"/>
           </a:fillRef>
-          <a:effectRef idx="0">
-            <a:schemeClr val="accent1"/>
+          <a:effectRef idx="1">
+            <a:schemeClr val="accent5"/>
           </a:effectRef>
           <a:fontRef idx="minor">
             <a:schemeClr val="lt1"/>
@@ -7009,7 +6999,7 @@
         </p:nvCxnSpPr>
         <p:spPr>
           <a:xfrm>
-            <a:off x="9325986" y="2149487"/>
+            <a:off x="9325986" y="2155707"/>
             <a:ext cx="0" cy="275212"/>
           </a:xfrm>
           <a:prstGeom prst="straightConnector1">
@@ -7045,15 +7035,13 @@
           </p:cNvPr>
           <p:cNvCxnSpPr>
             <a:cxnSpLocks/>
-            <a:stCxn id="121" idx="2"/>
-            <a:endCxn id="113" idx="1"/>
           </p:cNvCxnSpPr>
           <p:nvPr/>
         </p:nvCxnSpPr>
         <p:spPr>
-          <a:xfrm flipV="1">
-            <a:off x="6363199" y="2145048"/>
-            <a:ext cx="68674" cy="34818"/>
+          <a:xfrm>
+            <a:off x="6309366" y="2147773"/>
+            <a:ext cx="126458" cy="0"/>
           </a:xfrm>
           <a:prstGeom prst="straightConnector1">
             <a:avLst/>
@@ -7097,21 +7085,17 @@
           <a:prstGeom prst="rect">
             <a:avLst/>
           </a:prstGeom>
-          <a:ln>
-            <a:noFill/>
-          </a:ln>
+          <a:ln/>
         </p:spPr>
         <p:style>
-          <a:lnRef idx="2">
-            <a:schemeClr val="accent1">
-              <a:shade val="50000"/>
-            </a:schemeClr>
+          <a:lnRef idx="3">
+            <a:schemeClr val="lt1"/>
           </a:lnRef>
           <a:fillRef idx="1">
-            <a:schemeClr val="accent1"/>
+            <a:schemeClr val="accent5"/>
           </a:fillRef>
-          <a:effectRef idx="0">
-            <a:schemeClr val="accent1"/>
+          <a:effectRef idx="1">
+            <a:schemeClr val="accent5"/>
           </a:effectRef>
           <a:fontRef idx="minor">
             <a:schemeClr val="lt1"/>
@@ -7124,7 +7108,7 @@
             <a:pPr algn="ctr"/>
             <a:r>
               <a:rPr lang="en-US" altLang="zh-CN" b="1" dirty="0"/>
-              <a:t>Id</a:t>
+              <a:t>Id.</a:t>
             </a:r>
             <a:endParaRPr lang="zh-CN" altLang="en-US" b="1" dirty="0"/>
           </a:p>
@@ -7234,13 +7218,14 @@
           <p:cNvCxnSpPr>
             <a:cxnSpLocks/>
             <a:stCxn id="114" idx="3"/>
+            <a:endCxn id="117" idx="1"/>
           </p:cNvCxnSpPr>
           <p:nvPr/>
         </p:nvCxnSpPr>
         <p:spPr>
           <a:xfrm>
             <a:off x="7514948" y="2140609"/>
-            <a:ext cx="221943" cy="0"/>
+            <a:ext cx="221943" cy="877"/>
           </a:xfrm>
           <a:prstGeom prst="straightConnector1">
             <a:avLst/>
@@ -7278,27 +7263,23 @@
         </p:nvSpPr>
         <p:spPr>
           <a:xfrm>
-            <a:off x="7736891" y="1936423"/>
+            <a:off x="7736891" y="1923983"/>
             <a:ext cx="754603" cy="435006"/>
           </a:xfrm>
           <a:prstGeom prst="rect">
             <a:avLst/>
           </a:prstGeom>
-          <a:ln>
-            <a:noFill/>
-          </a:ln>
+          <a:ln/>
         </p:spPr>
         <p:style>
-          <a:lnRef idx="2">
-            <a:schemeClr val="accent1">
-              <a:shade val="50000"/>
-            </a:schemeClr>
+          <a:lnRef idx="3">
+            <a:schemeClr val="lt1"/>
           </a:lnRef>
           <a:fillRef idx="1">
-            <a:schemeClr val="accent1"/>
+            <a:schemeClr val="accent5"/>
           </a:fillRef>
-          <a:effectRef idx="0">
-            <a:schemeClr val="accent1"/>
+          <a:effectRef idx="1">
+            <a:schemeClr val="accent5"/>
           </a:effectRef>
           <a:fontRef idx="minor">
             <a:schemeClr val="lt1"/>
@@ -7311,7 +7292,7 @@
             <a:pPr algn="ctr"/>
             <a:r>
               <a:rPr lang="en-US" altLang="zh-CN" b="1" dirty="0"/>
-              <a:t>Id</a:t>
+              <a:t>Id.</a:t>
             </a:r>
             <a:endParaRPr lang="zh-CN" altLang="en-US" b="1" dirty="0"/>
           </a:p>
@@ -7331,7 +7312,7 @@
         </p:nvSpPr>
         <p:spPr>
           <a:xfrm>
-            <a:off x="8651289" y="1927545"/>
+            <a:off x="8651289" y="1921325"/>
             <a:ext cx="168677" cy="443884"/>
           </a:xfrm>
           <a:prstGeom prst="rect">
@@ -7383,9 +7364,9 @@
           <p:nvPr/>
         </p:nvCxnSpPr>
         <p:spPr>
-          <a:xfrm flipV="1">
-            <a:off x="8491494" y="2149487"/>
-            <a:ext cx="159795" cy="4439"/>
+          <a:xfrm>
+            <a:off x="8491494" y="2141486"/>
+            <a:ext cx="159795" cy="1781"/>
           </a:xfrm>
           <a:prstGeom prst="straightConnector1">
             <a:avLst/>
@@ -7411,42 +7392,6 @@
       </p:cxnSp>
       <p:sp>
         <p:nvSpPr>
-          <p:cNvPr id="121" name="文本框 120">
-            <a:extLst>
-              <a:ext uri="{FF2B5EF4-FFF2-40B4-BE49-F238E27FC236}">
-                <a16:creationId xmlns:a16="http://schemas.microsoft.com/office/drawing/2014/main" id="{3FBC6EC9-E13D-4FA6-8767-4C686545DCB4}"/>
-              </a:ext>
-            </a:extLst>
-          </p:cNvPr>
-          <p:cNvSpPr txBox="1"/>
-          <p:nvPr/>
-        </p:nvSpPr>
-        <p:spPr>
-          <a:xfrm>
-            <a:off x="6081203" y="1872089"/>
-            <a:ext cx="563992" cy="307777"/>
-          </a:xfrm>
-          <a:prstGeom prst="rect">
-            <a:avLst/>
-          </a:prstGeom>
-          <a:noFill/>
-        </p:spPr>
-        <p:txBody>
-          <a:bodyPr wrap="square" rtlCol="0">
-            <a:spAutoFit/>
-          </a:bodyPr>
-          <a:lstStyle/>
-          <a:p>
-            <a:r>
-              <a:rPr lang="en-US" altLang="zh-CN" sz="1400" b="1" dirty="0"/>
-              <a:t>+C</a:t>
-            </a:r>
-            <a:endParaRPr lang="zh-CN" altLang="en-US" sz="1400" b="1" dirty="0"/>
-          </a:p>
-        </p:txBody>
-      </p:sp>
-      <p:sp>
-        <p:nvSpPr>
           <p:cNvPr id="122" name="文本框 121">
             <a:extLst>
               <a:ext uri="{FF2B5EF4-FFF2-40B4-BE49-F238E27FC236}">
@@ -7497,7 +7442,7 @@
         </p:nvCxnSpPr>
         <p:spPr>
           <a:xfrm flipV="1">
-            <a:off x="6317940" y="2140609"/>
+            <a:off x="6305500" y="2146829"/>
             <a:ext cx="0" cy="506027"/>
           </a:xfrm>
           <a:prstGeom prst="line">
@@ -7533,27 +7478,23 @@
         </p:nvSpPr>
         <p:spPr>
           <a:xfrm>
-            <a:off x="9037460" y="2424699"/>
+            <a:off x="9037460" y="2430919"/>
             <a:ext cx="577052" cy="435006"/>
           </a:xfrm>
           <a:prstGeom prst="rect">
             <a:avLst/>
           </a:prstGeom>
-          <a:ln>
-            <a:noFill/>
-          </a:ln>
+          <a:ln/>
         </p:spPr>
         <p:style>
-          <a:lnRef idx="2">
-            <a:schemeClr val="accent1">
-              <a:shade val="50000"/>
-            </a:schemeClr>
+          <a:lnRef idx="3">
+            <a:schemeClr val="lt1"/>
           </a:lnRef>
           <a:fillRef idx="1">
-            <a:schemeClr val="accent1"/>
+            <a:schemeClr val="accent5"/>
           </a:fillRef>
-          <a:effectRef idx="0">
-            <a:schemeClr val="accent1"/>
+          <a:effectRef idx="1">
+            <a:schemeClr val="accent5"/>
           </a:effectRef>
           <a:fontRef idx="minor">
             <a:schemeClr val="lt1"/>
@@ -7582,13 +7523,14 @@
             </a:extLst>
           </p:cNvPr>
           <p:cNvCxnSpPr>
+            <a:cxnSpLocks/>
             <a:stCxn id="71" idx="3"/>
           </p:cNvCxnSpPr>
           <p:nvPr/>
         </p:nvCxnSpPr>
         <p:spPr>
           <a:xfrm flipV="1">
-            <a:off x="5537446" y="2149487"/>
+            <a:off x="5537446" y="2143267"/>
             <a:ext cx="408627" cy="388"/>
           </a:xfrm>
           <a:prstGeom prst="line">
@@ -7621,13 +7563,14 @@
           </p:cNvPr>
           <p:cNvCxnSpPr>
             <a:cxnSpLocks/>
+            <a:stCxn id="118" idx="3"/>
           </p:cNvCxnSpPr>
           <p:nvPr/>
         </p:nvCxnSpPr>
         <p:spPr>
           <a:xfrm>
-            <a:off x="8837461" y="2140609"/>
-            <a:ext cx="488525" cy="0"/>
+            <a:off x="8819966" y="2143267"/>
+            <a:ext cx="506013" cy="0"/>
           </a:xfrm>
           <a:prstGeom prst="line">
             <a:avLst/>
@@ -7739,7 +7682,7 @@
         </p:nvSpPr>
         <p:spPr>
           <a:xfrm>
-            <a:off x="1602035" y="2693178"/>
+            <a:off x="1624619" y="2716911"/>
             <a:ext cx="815520" cy="369332"/>
           </a:xfrm>
           <a:prstGeom prst="rect">
@@ -7775,7 +7718,7 @@
         </p:nvSpPr>
         <p:spPr>
           <a:xfrm>
-            <a:off x="1615764" y="3704697"/>
+            <a:off x="1622136" y="3692257"/>
             <a:ext cx="815520" cy="369332"/>
           </a:xfrm>
           <a:prstGeom prst="rect">
@@ -7811,10 +7754,10 @@
         </p:nvGrpSpPr>
         <p:grpSpPr>
           <a:xfrm>
-            <a:off x="2734316" y="4013769"/>
-            <a:ext cx="7102132" cy="691883"/>
-            <a:chOff x="2743197" y="3917691"/>
-            <a:chExt cx="7102132" cy="691883"/>
+            <a:off x="2734316" y="4026209"/>
+            <a:ext cx="7102125" cy="669574"/>
+            <a:chOff x="2743197" y="3930131"/>
+            <a:chExt cx="7102125" cy="669574"/>
           </a:xfrm>
         </p:grpSpPr>
         <p:sp>
@@ -7837,21 +7780,17 @@
             <a:prstGeom prst="rect">
               <a:avLst/>
             </a:prstGeom>
-            <a:ln>
-              <a:noFill/>
-            </a:ln>
+            <a:ln/>
           </p:spPr>
           <p:style>
-            <a:lnRef idx="2">
-              <a:schemeClr val="accent1">
-                <a:shade val="50000"/>
-              </a:schemeClr>
+            <a:lnRef idx="3">
+              <a:schemeClr val="lt1"/>
             </a:lnRef>
             <a:fillRef idx="1">
-              <a:schemeClr val="accent1"/>
+              <a:schemeClr val="accent5"/>
             </a:fillRef>
-            <a:effectRef idx="0">
-              <a:schemeClr val="accent1"/>
+            <a:effectRef idx="1">
+              <a:schemeClr val="accent5"/>
             </a:effectRef>
             <a:fontRef idx="minor">
               <a:schemeClr val="lt1"/>
@@ -7884,7 +7823,7 @@
           </p:nvSpPr>
           <p:spPr>
             <a:xfrm>
-              <a:off x="4074845" y="3917691"/>
+              <a:off x="4074845" y="3930131"/>
               <a:ext cx="168677" cy="667584"/>
             </a:xfrm>
             <a:prstGeom prst="rect">
@@ -7915,7 +7854,7 @@
             <a:lstStyle/>
             <a:p>
               <a:pPr algn="ctr"/>
-              <a:endParaRPr lang="zh-CN" altLang="en-US"/>
+              <a:endParaRPr lang="zh-CN" altLang="en-US" b="1"/>
             </a:p>
           </p:txBody>
         </p:sp>
@@ -7936,9 +7875,9 @@
             <p:nvPr/>
           </p:nvCxnSpPr>
           <p:spPr>
-            <a:xfrm flipV="1">
-              <a:off x="3915050" y="4251483"/>
-              <a:ext cx="159795" cy="10325"/>
+            <a:xfrm>
+              <a:off x="3915050" y="4261808"/>
+              <a:ext cx="159795" cy="2115"/>
             </a:xfrm>
             <a:prstGeom prst="straightConnector1">
               <a:avLst/>
@@ -8016,13 +7955,14 @@
             <p:cNvCxnSpPr>
               <a:cxnSpLocks/>
               <a:stCxn id="162" idx="3"/>
+              <a:endCxn id="166" idx="1"/>
             </p:cNvCxnSpPr>
             <p:nvPr/>
           </p:nvCxnSpPr>
           <p:spPr>
-            <a:xfrm>
-              <a:off x="4243522" y="4251483"/>
-              <a:ext cx="221943" cy="0"/>
+            <a:xfrm flipV="1">
+              <a:off x="4243522" y="4263798"/>
+              <a:ext cx="221943" cy="125"/>
             </a:xfrm>
             <a:prstGeom prst="straightConnector1">
               <a:avLst/>
@@ -8060,27 +8000,23 @@
           </p:nvSpPr>
           <p:spPr>
             <a:xfrm>
-              <a:off x="4465465" y="3955342"/>
+              <a:off x="4465465" y="3936682"/>
               <a:ext cx="754603" cy="654232"/>
             </a:xfrm>
             <a:prstGeom prst="rect">
               <a:avLst/>
             </a:prstGeom>
-            <a:ln>
-              <a:noFill/>
-            </a:ln>
+            <a:ln/>
           </p:spPr>
           <p:style>
-            <a:lnRef idx="2">
-              <a:schemeClr val="accent1">
-                <a:shade val="50000"/>
-              </a:schemeClr>
+            <a:lnRef idx="3">
+              <a:schemeClr val="lt1"/>
             </a:lnRef>
             <a:fillRef idx="1">
-              <a:schemeClr val="accent1"/>
+              <a:schemeClr val="accent5"/>
             </a:fillRef>
-            <a:effectRef idx="0">
-              <a:schemeClr val="accent1"/>
+            <a:effectRef idx="1">
+              <a:schemeClr val="accent5"/>
             </a:effectRef>
             <a:fontRef idx="minor">
               <a:schemeClr val="lt1"/>
@@ -8113,7 +8049,7 @@
           </p:nvSpPr>
           <p:spPr>
             <a:xfrm>
-              <a:off x="5379863" y="3938341"/>
+              <a:off x="5379863" y="3932121"/>
               <a:ext cx="168677" cy="667584"/>
             </a:xfrm>
             <a:prstGeom prst="rect">
@@ -8165,9 +8101,9 @@
             <p:nvPr/>
           </p:nvCxnSpPr>
           <p:spPr>
-            <a:xfrm flipV="1">
-              <a:off x="5220068" y="4272133"/>
-              <a:ext cx="159795" cy="10325"/>
+            <a:xfrm>
+              <a:off x="5220068" y="4263798"/>
+              <a:ext cx="159795" cy="2115"/>
             </a:xfrm>
             <a:prstGeom prst="straightConnector1">
               <a:avLst/>
@@ -8203,13 +8139,14 @@
             <p:cNvCxnSpPr>
               <a:cxnSpLocks/>
               <a:stCxn id="167" idx="3"/>
+              <a:endCxn id="171" idx="1"/>
             </p:cNvCxnSpPr>
             <p:nvPr/>
           </p:nvCxnSpPr>
           <p:spPr>
-            <a:xfrm>
-              <a:off x="5548540" y="4272133"/>
-              <a:ext cx="117881" cy="10325"/>
+            <a:xfrm flipV="1">
+              <a:off x="5548540" y="4263798"/>
+              <a:ext cx="109007" cy="2115"/>
             </a:xfrm>
             <a:prstGeom prst="straightConnector1">
               <a:avLst/>
@@ -8247,27 +8184,23 @@
           </p:nvSpPr>
           <p:spPr>
             <a:xfrm>
-              <a:off x="5657547" y="3955342"/>
+              <a:off x="5657547" y="3936682"/>
               <a:ext cx="1533361" cy="654232"/>
             </a:xfrm>
             <a:prstGeom prst="rect">
               <a:avLst/>
             </a:prstGeom>
-            <a:ln>
-              <a:noFill/>
-            </a:ln>
+            <a:ln/>
           </p:spPr>
           <p:style>
-            <a:lnRef idx="2">
-              <a:schemeClr val="accent1">
-                <a:shade val="50000"/>
-              </a:schemeClr>
+            <a:lnRef idx="3">
+              <a:schemeClr val="lt1"/>
             </a:lnRef>
             <a:fillRef idx="1">
-              <a:schemeClr val="accent1"/>
+              <a:schemeClr val="accent5"/>
             </a:fillRef>
-            <a:effectRef idx="0">
-              <a:schemeClr val="accent1"/>
+            <a:effectRef idx="1">
+              <a:schemeClr val="accent5"/>
             </a:effectRef>
             <a:fontRef idx="minor">
               <a:schemeClr val="lt1"/>
@@ -8300,7 +8233,7 @@
           </p:nvSpPr>
           <p:spPr>
             <a:xfrm>
-              <a:off x="7350703" y="3938340"/>
+              <a:off x="7350703" y="3932120"/>
               <a:ext cx="168677" cy="667584"/>
             </a:xfrm>
             <a:prstGeom prst="rect">
@@ -8352,9 +8285,9 @@
             <p:nvPr/>
           </p:nvCxnSpPr>
           <p:spPr>
-            <a:xfrm flipV="1">
-              <a:off x="7190908" y="4272132"/>
-              <a:ext cx="159795" cy="10326"/>
+            <a:xfrm>
+              <a:off x="7190908" y="4263798"/>
+              <a:ext cx="159795" cy="2114"/>
             </a:xfrm>
             <a:prstGeom prst="straightConnector1">
               <a:avLst/>
@@ -8390,13 +8323,14 @@
             <p:cNvCxnSpPr>
               <a:cxnSpLocks/>
               <a:stCxn id="172" idx="3"/>
+              <a:endCxn id="176" idx="1"/>
             </p:cNvCxnSpPr>
             <p:nvPr/>
           </p:nvCxnSpPr>
           <p:spPr>
-            <a:xfrm>
-              <a:off x="7519380" y="4272132"/>
-              <a:ext cx="221943" cy="0"/>
+            <a:xfrm flipV="1">
+              <a:off x="7519380" y="4263798"/>
+              <a:ext cx="221943" cy="2114"/>
             </a:xfrm>
             <a:prstGeom prst="straightConnector1">
               <a:avLst/>
@@ -8434,27 +8368,23 @@
           </p:nvSpPr>
           <p:spPr>
             <a:xfrm>
-              <a:off x="7741323" y="3955342"/>
+              <a:off x="7741323" y="3936682"/>
               <a:ext cx="754603" cy="654232"/>
             </a:xfrm>
             <a:prstGeom prst="rect">
               <a:avLst/>
             </a:prstGeom>
-            <a:ln>
-              <a:noFill/>
-            </a:ln>
+            <a:ln/>
           </p:spPr>
           <p:style>
-            <a:lnRef idx="2">
-              <a:schemeClr val="accent1">
-                <a:shade val="50000"/>
-              </a:schemeClr>
+            <a:lnRef idx="3">
+              <a:schemeClr val="lt1"/>
             </a:lnRef>
             <a:fillRef idx="1">
-              <a:schemeClr val="accent1"/>
+              <a:schemeClr val="accent5"/>
             </a:fillRef>
-            <a:effectRef idx="0">
-              <a:schemeClr val="accent1"/>
+            <a:effectRef idx="1">
+              <a:schemeClr val="accent5"/>
             </a:effectRef>
             <a:fontRef idx="minor">
               <a:schemeClr val="lt1"/>
@@ -8487,7 +8417,7 @@
           </p:nvSpPr>
           <p:spPr>
             <a:xfrm>
-              <a:off x="8655721" y="3938341"/>
+              <a:off x="8655721" y="3932121"/>
               <a:ext cx="168677" cy="667584"/>
             </a:xfrm>
             <a:prstGeom prst="rect">
@@ -8539,9 +8469,9 @@
             <p:nvPr/>
           </p:nvCxnSpPr>
           <p:spPr>
-            <a:xfrm flipV="1">
-              <a:off x="8495926" y="4272133"/>
-              <a:ext cx="159795" cy="10325"/>
+            <a:xfrm>
+              <a:off x="8495926" y="4263798"/>
+              <a:ext cx="159795" cy="2115"/>
             </a:xfrm>
             <a:prstGeom prst="straightConnector1">
               <a:avLst/>
@@ -8582,7 +8512,7 @@
           </p:nvCxnSpPr>
           <p:spPr>
             <a:xfrm>
-              <a:off x="8824398" y="4272133"/>
+              <a:off x="8824398" y="4265913"/>
               <a:ext cx="221943" cy="0"/>
             </a:xfrm>
             <a:prstGeom prst="straightConnector1">
@@ -8627,18 +8557,17 @@
             <a:prstGeom prst="rect">
               <a:avLst/>
             </a:prstGeom>
+            <a:ln/>
           </p:spPr>
           <p:style>
-            <a:lnRef idx="2">
-              <a:schemeClr val="accent1">
-                <a:shade val="50000"/>
-              </a:schemeClr>
+            <a:lnRef idx="3">
+              <a:schemeClr val="lt1"/>
             </a:lnRef>
             <a:fillRef idx="1">
-              <a:schemeClr val="accent1"/>
+              <a:schemeClr val="accent5"/>
             </a:fillRef>
-            <a:effectRef idx="0">
-              <a:schemeClr val="accent1"/>
+            <a:effectRef idx="1">
+              <a:schemeClr val="accent5"/>
             </a:effectRef>
             <a:fontRef idx="minor">
               <a:schemeClr val="lt1"/>
@@ -8668,13 +8597,14 @@
             </p:cNvPr>
             <p:cNvCxnSpPr>
               <a:cxnSpLocks/>
+              <a:stCxn id="181" idx="3"/>
             </p:cNvCxnSpPr>
             <p:nvPr/>
           </p:nvCxnSpPr>
           <p:spPr>
             <a:xfrm>
-              <a:off x="9623386" y="4256644"/>
-              <a:ext cx="221943" cy="0"/>
+              <a:off x="9623386" y="4266719"/>
+              <a:ext cx="221936" cy="0"/>
             </a:xfrm>
             <a:prstGeom prst="straightConnector1">
               <a:avLst/>
@@ -8713,7 +8643,7 @@
         </p:nvSpPr>
         <p:spPr>
           <a:xfrm>
-            <a:off x="2583402" y="754602"/>
+            <a:off x="2589622" y="754602"/>
             <a:ext cx="7395099" cy="1005786"/>
           </a:xfrm>
           <a:prstGeom prst="rect">
@@ -8922,11 +8852,17 @@
         <p:spPr>
           <a:xfrm>
             <a:off x="2344700" y="1474323"/>
-            <a:ext cx="163239" cy="706082"/>
+            <a:ext cx="201968" cy="706082"/>
           </a:xfrm>
           <a:prstGeom prst="curvedRightArrow">
             <a:avLst/>
           </a:prstGeom>
+          <a:solidFill>
+            <a:srgbClr val="5B9BD5"/>
+          </a:solidFill>
+          <a:ln>
+            <a:noFill/>
+          </a:ln>
         </p:spPr>
         <p:style>
           <a:lnRef idx="2">
@@ -8972,11 +8908,17 @@
         <p:spPr>
           <a:xfrm>
             <a:off x="2337794" y="2589510"/>
-            <a:ext cx="163239" cy="706082"/>
+            <a:ext cx="227725" cy="706082"/>
           </a:xfrm>
           <a:prstGeom prst="curvedRightArrow">
             <a:avLst/>
           </a:prstGeom>
+          <a:solidFill>
+            <a:srgbClr val="5B9BD5"/>
+          </a:solidFill>
+          <a:ln>
+            <a:noFill/>
+          </a:ln>
         </p:spPr>
         <p:style>
           <a:lnRef idx="2">
@@ -9021,12 +8963,18 @@
         </p:nvSpPr>
         <p:spPr>
           <a:xfrm>
-            <a:off x="2356800" y="3573433"/>
-            <a:ext cx="163239" cy="706082"/>
+            <a:off x="2344700" y="3573433"/>
+            <a:ext cx="220819" cy="706082"/>
           </a:xfrm>
           <a:prstGeom prst="curvedRightArrow">
             <a:avLst/>
           </a:prstGeom>
+          <a:solidFill>
+            <a:srgbClr val="5B9BD5"/>
+          </a:solidFill>
+          <a:ln>
+            <a:noFill/>
+          </a:ln>
         </p:spPr>
         <p:style>
           <a:lnRef idx="2">
@@ -9071,10 +9019,10 @@
         </p:nvGrpSpPr>
         <p:grpSpPr>
           <a:xfrm>
-            <a:off x="4058371" y="5043887"/>
-            <a:ext cx="1223420" cy="315153"/>
-            <a:chOff x="2629726" y="4901719"/>
-            <a:chExt cx="1223420" cy="315153"/>
+            <a:off x="2833557" y="5044663"/>
+            <a:ext cx="754779" cy="307777"/>
+            <a:chOff x="2629726" y="4916095"/>
+            <a:chExt cx="754779" cy="307777"/>
           </a:xfrm>
         </p:grpSpPr>
         <p:sp>
@@ -9091,8 +9039,8 @@
           </p:nvSpPr>
           <p:spPr>
             <a:xfrm>
-              <a:off x="2816157" y="4901719"/>
-              <a:ext cx="1036989" cy="307777"/>
+              <a:off x="2754012" y="4916095"/>
+              <a:ext cx="630493" cy="307777"/>
             </a:xfrm>
             <a:prstGeom prst="rect">
               <a:avLst/>
@@ -9177,10 +9125,10 @@
         </p:nvGrpSpPr>
         <p:grpSpPr>
           <a:xfrm>
-            <a:off x="5343936" y="4948468"/>
-            <a:ext cx="1515869" cy="523220"/>
+            <a:off x="4125791" y="4936941"/>
+            <a:ext cx="1491301" cy="523220"/>
             <a:chOff x="2567584" y="5292887"/>
-            <a:chExt cx="1515869" cy="523220"/>
+            <a:chExt cx="1491301" cy="523220"/>
           </a:xfrm>
         </p:grpSpPr>
         <p:sp>
@@ -9206,7 +9154,11 @@
             <a:solidFill>
               <a:schemeClr val="bg1"/>
             </a:solidFill>
-            <a:ln w="28575"/>
+            <a:ln w="28575">
+              <a:solidFill>
+                <a:schemeClr val="accent5"/>
+              </a:solidFill>
+            </a:ln>
           </p:spPr>
           <p:style>
             <a:lnRef idx="2">
@@ -9229,7 +9181,7 @@
             <a:lstStyle/>
             <a:p>
               <a:pPr algn="ctr"/>
-              <a:endParaRPr lang="zh-CN" altLang="en-US"/>
+              <a:endParaRPr lang="zh-CN" altLang="en-US" b="1"/>
             </a:p>
           </p:txBody>
         </p:sp>
@@ -9247,8 +9199,8 @@
           </p:nvSpPr>
           <p:spPr>
             <a:xfrm>
-              <a:off x="2816157" y="5292887"/>
-              <a:ext cx="1267296" cy="523220"/>
+              <a:off x="2811715" y="5292887"/>
+              <a:ext cx="1247170" cy="523220"/>
             </a:xfrm>
             <a:prstGeom prst="rect">
               <a:avLst/>
@@ -9284,10 +9236,10 @@
         </p:nvGrpSpPr>
         <p:grpSpPr>
           <a:xfrm>
-            <a:off x="7103780" y="5040678"/>
-            <a:ext cx="1543060" cy="307777"/>
-            <a:chOff x="2486016" y="5853331"/>
-            <a:chExt cx="1543060" cy="307777"/>
+            <a:off x="6154547" y="5044662"/>
+            <a:ext cx="1577895" cy="307777"/>
+            <a:chOff x="2461626" y="5882932"/>
+            <a:chExt cx="1577895" cy="307777"/>
           </a:xfrm>
         </p:grpSpPr>
         <p:sp>
@@ -9304,12 +9256,15 @@
           </p:nvSpPr>
           <p:spPr>
             <a:xfrm>
-              <a:off x="2486016" y="5912535"/>
-              <a:ext cx="411706" cy="248573"/>
+              <a:off x="2461626" y="5912535"/>
+              <a:ext cx="436096" cy="248573"/>
             </a:xfrm>
             <a:prstGeom prst="rect">
               <a:avLst/>
             </a:prstGeom>
+            <a:solidFill>
+              <a:srgbClr val="5B9BD5"/>
+            </a:solidFill>
             <a:ln>
               <a:noFill/>
             </a:ln>
@@ -9336,10 +9291,10 @@
             <a:p>
               <a:pPr algn="ctr"/>
               <a:r>
-                <a:rPr lang="en-US" altLang="zh-CN" sz="800"/>
+                <a:rPr lang="en-US" altLang="zh-CN" sz="800" b="1" dirty="0"/>
                 <a:t>Conv</a:t>
               </a:r>
-              <a:endParaRPr lang="zh-CN" altLang="en-US" sz="800" dirty="0"/>
+              <a:endParaRPr lang="zh-CN" altLang="en-US" sz="800" b="1" dirty="0"/>
             </a:p>
           </p:txBody>
         </p:sp>
@@ -9357,8 +9312,8 @@
           </p:nvSpPr>
           <p:spPr>
             <a:xfrm>
-              <a:off x="2870533" y="5853331"/>
-              <a:ext cx="1158543" cy="307777"/>
+              <a:off x="2897722" y="5882932"/>
+              <a:ext cx="1141799" cy="307777"/>
             </a:xfrm>
             <a:prstGeom prst="rect">
               <a:avLst/>
@@ -9374,6 +9329,119 @@
               <a:r>
                 <a:rPr lang="en-US" altLang="zh-CN" sz="1400" dirty="0"/>
                 <a:t>Convolution</a:t>
+              </a:r>
+              <a:endParaRPr lang="zh-CN" altLang="en-US" sz="1400" dirty="0"/>
+            </a:p>
+          </p:txBody>
+        </p:sp>
+      </p:grpSp>
+      <p:grpSp>
+        <p:nvGrpSpPr>
+          <p:cNvPr id="149" name="组合 148">
+            <a:extLst>
+              <a:ext uri="{FF2B5EF4-FFF2-40B4-BE49-F238E27FC236}">
+                <a16:creationId xmlns:a16="http://schemas.microsoft.com/office/drawing/2014/main" id="{AD3084B9-3F78-402F-A20F-B5AA1EB8E242}"/>
+              </a:ext>
+            </a:extLst>
+          </p:cNvPr>
+          <p:cNvGrpSpPr/>
+          <p:nvPr/>
+        </p:nvGrpSpPr>
+        <p:grpSpPr>
+          <a:xfrm>
+            <a:off x="8264146" y="4936941"/>
+            <a:ext cx="1635154" cy="523220"/>
+            <a:chOff x="2486016" y="5775211"/>
+            <a:chExt cx="1364542" cy="523220"/>
+          </a:xfrm>
+        </p:grpSpPr>
+        <p:sp>
+          <p:nvSpPr>
+            <p:cNvPr id="150" name="矩形 149">
+              <a:extLst>
+                <a:ext uri="{FF2B5EF4-FFF2-40B4-BE49-F238E27FC236}">
+                  <a16:creationId xmlns:a16="http://schemas.microsoft.com/office/drawing/2014/main" id="{F5E090B3-92A6-4F39-A381-19A944FD1A53}"/>
+                </a:ext>
+              </a:extLst>
+            </p:cNvPr>
+            <p:cNvSpPr/>
+            <p:nvPr/>
+          </p:nvSpPr>
+          <p:spPr>
+            <a:xfrm>
+              <a:off x="2486016" y="5912535"/>
+              <a:ext cx="411706" cy="248573"/>
+            </a:xfrm>
+            <a:prstGeom prst="rect">
+              <a:avLst/>
+            </a:prstGeom>
+            <a:solidFill>
+              <a:srgbClr val="5B9BD5"/>
+            </a:solidFill>
+            <a:ln>
+              <a:noFill/>
+            </a:ln>
+          </p:spPr>
+          <p:style>
+            <a:lnRef idx="2">
+              <a:schemeClr val="accent1">
+                <a:shade val="50000"/>
+              </a:schemeClr>
+            </a:lnRef>
+            <a:fillRef idx="1">
+              <a:schemeClr val="accent1"/>
+            </a:fillRef>
+            <a:effectRef idx="0">
+              <a:schemeClr val="accent1"/>
+            </a:effectRef>
+            <a:fontRef idx="minor">
+              <a:schemeClr val="lt1"/>
+            </a:fontRef>
+          </p:style>
+          <p:txBody>
+            <a:bodyPr rtlCol="0" anchor="ctr"/>
+            <a:lstStyle/>
+            <a:p>
+              <a:pPr algn="ctr"/>
+              <a:r>
+                <a:rPr lang="en-US" altLang="zh-CN" sz="800" b="1" dirty="0"/>
+                <a:t>Id.</a:t>
+              </a:r>
+              <a:endParaRPr lang="zh-CN" altLang="en-US" sz="800" b="1" dirty="0"/>
+            </a:p>
+          </p:txBody>
+        </p:sp>
+        <p:sp>
+          <p:nvSpPr>
+            <p:cNvPr id="160" name="文本框 159">
+              <a:extLst>
+                <a:ext uri="{FF2B5EF4-FFF2-40B4-BE49-F238E27FC236}">
+                  <a16:creationId xmlns:a16="http://schemas.microsoft.com/office/drawing/2014/main" id="{CB20CCEF-84B4-4FCD-AFF0-BB18D4F8BF17}"/>
+                </a:ext>
+              </a:extLst>
+            </p:cNvPr>
+            <p:cNvSpPr txBox="1"/>
+            <p:nvPr/>
+          </p:nvSpPr>
+          <p:spPr>
+            <a:xfrm>
+              <a:off x="2897722" y="5775211"/>
+              <a:ext cx="952836" cy="523220"/>
+            </a:xfrm>
+            <a:prstGeom prst="rect">
+              <a:avLst/>
+            </a:prstGeom>
+            <a:noFill/>
+          </p:spPr>
+          <p:txBody>
+            <a:bodyPr wrap="square" rtlCol="0">
+              <a:spAutoFit/>
+            </a:bodyPr>
+            <a:lstStyle/>
+            <a:p>
+              <a:r>
+                <a:rPr lang="en-US" altLang="zh-CN" sz="1400" dirty="0"/>
+                <a:t>Identity Convolution</a:t>
               </a:r>
               <a:endParaRPr lang="zh-CN" altLang="en-US" sz="1400" dirty="0"/>
             </a:p>
